--- a/src/nti/app/products/courseware/tests/PersistentLibrary/sites/platform.ou.edu/CS1323_F_2015_Intro_to_Computer_Programming/resources/Rectangles_versus_Triangles.pptx
+++ b/src/nti/app/products/courseware/tests/PersistentLibrary/sites/platform.ou.edu/CS1323_F_2015_Intro_to_Computer_Programming/resources/Rectangles_versus_Triangles.pptx
@@ -5,7 +5,18 @@
     <p:sldMasterId id="2147483648" r:id="rId1"/>
   </p:sldMasterIdLst>
   <p:sldIdLst>
-    <p:sldId id="256" r:id="rId2"/>
+    <p:sldId id="260" r:id="rId2"/>
+    <p:sldId id="271" r:id="rId3"/>
+    <p:sldId id="264" r:id="rId4"/>
+    <p:sldId id="265" r:id="rId5"/>
+    <p:sldId id="266" r:id="rId6"/>
+    <p:sldId id="267" r:id="rId7"/>
+    <p:sldId id="269" r:id="rId8"/>
+    <p:sldId id="263" r:id="rId9"/>
+    <p:sldId id="268" r:id="rId10"/>
+    <p:sldId id="270" r:id="rId11"/>
+    <p:sldId id="272" r:id="rId12"/>
+    <p:sldId id="262" r:id="rId13"/>
   </p:sldIdLst>
   <p:sldSz cx="9144000" cy="5143500" type="screen16x9"/>
   <p:notesSz cx="6858000" cy="9144000"/>
@@ -104,22 +115,6 @@
       </a:defRPr>
     </a:lvl9pPr>
   </p:defaultTextStyle>
-  <p:extLst>
-    <p:ext uri="{EFAFB233-063F-42B5-8137-9DF3F51BA10A}">
-      <p15:sldGuideLst xmlns:p15="http://schemas.microsoft.com/office/powerpoint/2012/main">
-        <p15:guide id="1" orient="horz" pos="1620">
-          <p15:clr>
-            <a:srgbClr val="A4A3A4"/>
-          </p15:clr>
-        </p15:guide>
-        <p15:guide id="2" pos="2880">
-          <p15:clr>
-            <a:srgbClr val="A4A3A4"/>
-          </p15:clr>
-        </p15:guide>
-      </p15:sldGuideLst>
-    </p:ext>
-  </p:extLst>
 </p:presentation>
 </file>
 
@@ -161,9 +156,10 @@
           <a:lstStyle/>
           <a:p>
             <a:r>
-              <a:rPr lang="en-US" dirty="0"/>
+              <a:rPr lang="en-US" dirty="0" smtClean="0"/>
               <a:t>Click to edit Master title style</a:t>
             </a:r>
+            <a:endParaRPr lang="en-US" dirty="0"/>
           </a:p>
         </p:txBody>
       </p:sp>
@@ -279,9 +275,10 @@
           </a:lstStyle>
           <a:p>
             <a:r>
-              <a:rPr lang="en-US"/>
+              <a:rPr lang="en-US" smtClean="0"/>
               <a:t>Click to edit Master subtitle style</a:t>
             </a:r>
+            <a:endParaRPr lang="en-US"/>
           </a:p>
         </p:txBody>
       </p:sp>
@@ -318,6 +315,13 @@
   <p:clrMapOvr>
     <a:masterClrMapping/>
   </p:clrMapOvr>
+  <p:timing>
+    <p:tnLst>
+      <p:par>
+        <p:cTn xmlns:p14="http://schemas.microsoft.com/office/powerpoint/2010/main" id="1" dur="indefinite" restart="never" nodeType="tmRoot"/>
+      </p:par>
+    </p:tnLst>
+  </p:timing>
 </p:sldLayout>
 </file>
 
@@ -354,9 +358,10 @@
           <a:lstStyle/>
           <a:p>
             <a:r>
-              <a:rPr lang="en-US"/>
+              <a:rPr lang="en-US" smtClean="0"/>
               <a:t>Click to edit Master title style</a:t>
             </a:r>
+            <a:endParaRPr lang="en-US"/>
           </a:p>
         </p:txBody>
       </p:sp>
@@ -434,9 +439,10 @@
           <a:lstStyle/>
           <a:p>
             <a:r>
-              <a:rPr lang="en-US"/>
+              <a:rPr lang="en-US" smtClean="0"/>
               <a:t>Click to edit Master title style</a:t>
             </a:r>
+            <a:endParaRPr lang="en-US"/>
           </a:p>
         </p:txBody>
       </p:sp>
@@ -462,37 +468,38 @@
           <a:p>
             <a:pPr lvl="0"/>
             <a:r>
-              <a:rPr lang="en-US"/>
+              <a:rPr lang="en-US" smtClean="0"/>
               <a:t>Click to edit Master text styles</a:t>
             </a:r>
           </a:p>
           <a:p>
             <a:pPr lvl="1"/>
             <a:r>
-              <a:rPr lang="en-US"/>
+              <a:rPr lang="en-US" smtClean="0"/>
               <a:t>Second level</a:t>
             </a:r>
           </a:p>
           <a:p>
             <a:pPr lvl="2"/>
             <a:r>
-              <a:rPr lang="en-US"/>
+              <a:rPr lang="en-US" smtClean="0"/>
               <a:t>Third level</a:t>
             </a:r>
           </a:p>
           <a:p>
             <a:pPr lvl="3"/>
             <a:r>
-              <a:rPr lang="en-US"/>
+              <a:rPr lang="en-US" smtClean="0"/>
               <a:t>Fourth level</a:t>
             </a:r>
           </a:p>
           <a:p>
             <a:pPr lvl="4"/>
             <a:r>
-              <a:rPr lang="en-US"/>
+              <a:rPr lang="en-US" smtClean="0"/>
               <a:t>Fifth level</a:t>
             </a:r>
+            <a:endParaRPr lang="en-US"/>
           </a:p>
         </p:txBody>
       </p:sp>
@@ -565,9 +572,10 @@
           <a:lstStyle/>
           <a:p>
             <a:r>
-              <a:rPr lang="en-US"/>
+              <a:rPr lang="en-US" smtClean="0"/>
               <a:t>Click to edit Master title style</a:t>
             </a:r>
+            <a:endParaRPr lang="en-US"/>
           </a:p>
         </p:txBody>
       </p:sp>
@@ -588,37 +596,38 @@
           <a:p>
             <a:pPr lvl="0"/>
             <a:r>
-              <a:rPr lang="en-US" dirty="0"/>
+              <a:rPr lang="en-US" dirty="0" smtClean="0"/>
               <a:t>Click to edit Master text styles</a:t>
             </a:r>
           </a:p>
           <a:p>
             <a:pPr lvl="1"/>
             <a:r>
-              <a:rPr lang="en-US" dirty="0"/>
+              <a:rPr lang="en-US" dirty="0" smtClean="0"/>
               <a:t>Second level</a:t>
             </a:r>
           </a:p>
           <a:p>
             <a:pPr lvl="2"/>
             <a:r>
-              <a:rPr lang="en-US" dirty="0"/>
+              <a:rPr lang="en-US" dirty="0" smtClean="0"/>
               <a:t>Third level</a:t>
             </a:r>
           </a:p>
           <a:p>
             <a:pPr lvl="3"/>
             <a:r>
-              <a:rPr lang="en-US" dirty="0"/>
+              <a:rPr lang="en-US" dirty="0" smtClean="0"/>
               <a:t>Fourth level</a:t>
             </a:r>
           </a:p>
           <a:p>
             <a:pPr lvl="4"/>
             <a:r>
-              <a:rPr lang="en-US" dirty="0"/>
+              <a:rPr lang="en-US" dirty="0" smtClean="0"/>
               <a:t>Fifth level</a:t>
             </a:r>
+            <a:endParaRPr lang="en-US" dirty="0"/>
           </a:p>
         </p:txBody>
       </p:sp>
@@ -655,6 +664,13 @@
   <p:clrMapOvr>
     <a:masterClrMapping/>
   </p:clrMapOvr>
+  <p:timing>
+    <p:tnLst>
+      <p:par>
+        <p:cTn xmlns:p14="http://schemas.microsoft.com/office/powerpoint/2010/main" id="1" dur="indefinite" restart="never" nodeType="tmRoot"/>
+      </p:par>
+    </p:tnLst>
+  </p:timing>
 </p:sldLayout>
 </file>
 
@@ -700,9 +716,10 @@
           </a:lstStyle>
           <a:p>
             <a:r>
-              <a:rPr lang="en-US" dirty="0"/>
+              <a:rPr lang="en-US" dirty="0" smtClean="0"/>
               <a:t>Click to edit Master title style</a:t>
             </a:r>
+            <a:endParaRPr lang="en-US" dirty="0"/>
           </a:p>
         </p:txBody>
       </p:sp>
@@ -819,7 +836,7 @@
           <a:p>
             <a:pPr lvl="0"/>
             <a:r>
-              <a:rPr lang="en-US" dirty="0"/>
+              <a:rPr lang="en-US" dirty="0" smtClean="0"/>
               <a:t>Click to edit Master text styles</a:t>
             </a:r>
           </a:p>
@@ -858,6 +875,13 @@
   <p:clrMapOvr>
     <a:masterClrMapping/>
   </p:clrMapOvr>
+  <p:timing>
+    <p:tnLst>
+      <p:par>
+        <p:cTn xmlns:p14="http://schemas.microsoft.com/office/powerpoint/2010/main" id="1" dur="indefinite" restart="never" nodeType="tmRoot"/>
+      </p:par>
+    </p:tnLst>
+  </p:timing>
 </p:sldLayout>
 </file>
 
@@ -894,9 +918,10 @@
           <a:lstStyle/>
           <a:p>
             <a:r>
-              <a:rPr lang="en-US" dirty="0"/>
+              <a:rPr lang="en-US" dirty="0" smtClean="0"/>
               <a:t>Click to edit Master title style</a:t>
             </a:r>
+            <a:endParaRPr lang="en-US" dirty="0"/>
           </a:p>
         </p:txBody>
       </p:sp>
@@ -950,37 +975,38 @@
           <a:p>
             <a:pPr lvl="0"/>
             <a:r>
-              <a:rPr lang="en-US" dirty="0"/>
+              <a:rPr lang="en-US" dirty="0" smtClean="0"/>
               <a:t>Click to edit Master text styles</a:t>
             </a:r>
           </a:p>
           <a:p>
             <a:pPr lvl="1"/>
             <a:r>
-              <a:rPr lang="en-US" dirty="0"/>
+              <a:rPr lang="en-US" dirty="0" smtClean="0"/>
               <a:t>Second level</a:t>
             </a:r>
           </a:p>
           <a:p>
             <a:pPr lvl="2"/>
             <a:r>
-              <a:rPr lang="en-US" dirty="0"/>
+              <a:rPr lang="en-US" dirty="0" smtClean="0"/>
               <a:t>Third level</a:t>
             </a:r>
           </a:p>
           <a:p>
             <a:pPr lvl="3"/>
             <a:r>
-              <a:rPr lang="en-US" dirty="0"/>
+              <a:rPr lang="en-US" dirty="0" smtClean="0"/>
               <a:t>Fourth level</a:t>
             </a:r>
           </a:p>
           <a:p>
             <a:pPr lvl="4"/>
             <a:r>
-              <a:rPr lang="en-US" dirty="0"/>
+              <a:rPr lang="en-US" dirty="0" smtClean="0"/>
               <a:t>Fifth level</a:t>
             </a:r>
+            <a:endParaRPr lang="en-US" dirty="0"/>
           </a:p>
         </p:txBody>
       </p:sp>
@@ -1034,37 +1060,38 @@
           <a:p>
             <a:pPr lvl="0"/>
             <a:r>
-              <a:rPr lang="en-US"/>
+              <a:rPr lang="en-US" smtClean="0"/>
               <a:t>Click to edit Master text styles</a:t>
             </a:r>
           </a:p>
           <a:p>
             <a:pPr lvl="1"/>
             <a:r>
-              <a:rPr lang="en-US"/>
+              <a:rPr lang="en-US" smtClean="0"/>
               <a:t>Second level</a:t>
             </a:r>
           </a:p>
           <a:p>
             <a:pPr lvl="2"/>
             <a:r>
-              <a:rPr lang="en-US"/>
+              <a:rPr lang="en-US" smtClean="0"/>
               <a:t>Third level</a:t>
             </a:r>
           </a:p>
           <a:p>
             <a:pPr lvl="3"/>
             <a:r>
-              <a:rPr lang="en-US"/>
+              <a:rPr lang="en-US" smtClean="0"/>
               <a:t>Fourth level</a:t>
             </a:r>
           </a:p>
           <a:p>
             <a:pPr lvl="4"/>
             <a:r>
-              <a:rPr lang="en-US"/>
+              <a:rPr lang="en-US" smtClean="0"/>
               <a:t>Fifth level</a:t>
             </a:r>
+            <a:endParaRPr lang="en-US"/>
           </a:p>
         </p:txBody>
       </p:sp>
@@ -1101,6 +1128,13 @@
   <p:clrMapOvr>
     <a:masterClrMapping/>
   </p:clrMapOvr>
+  <p:timing>
+    <p:tnLst>
+      <p:par>
+        <p:cTn xmlns:p14="http://schemas.microsoft.com/office/powerpoint/2010/main" id="1" dur="indefinite" restart="never" nodeType="tmRoot"/>
+      </p:par>
+    </p:tnLst>
+  </p:timing>
 </p:sldLayout>
 </file>
 
@@ -1141,9 +1175,10 @@
           </a:lstStyle>
           <a:p>
             <a:r>
-              <a:rPr lang="en-US"/>
+              <a:rPr lang="en-US" smtClean="0"/>
               <a:t>Click to edit Master title style</a:t>
             </a:r>
+            <a:endParaRPr lang="en-US"/>
           </a:p>
         </p:txBody>
       </p:sp>
@@ -1206,7 +1241,7 @@
           <a:p>
             <a:pPr lvl="0"/>
             <a:r>
-              <a:rPr lang="en-US"/>
+              <a:rPr lang="en-US" smtClean="0"/>
               <a:t>Click to edit Master text styles</a:t>
             </a:r>
           </a:p>
@@ -1262,37 +1297,38 @@
           <a:p>
             <a:pPr lvl="0"/>
             <a:r>
-              <a:rPr lang="en-US"/>
+              <a:rPr lang="en-US" smtClean="0"/>
               <a:t>Click to edit Master text styles</a:t>
             </a:r>
           </a:p>
           <a:p>
             <a:pPr lvl="1"/>
             <a:r>
-              <a:rPr lang="en-US"/>
+              <a:rPr lang="en-US" smtClean="0"/>
               <a:t>Second level</a:t>
             </a:r>
           </a:p>
           <a:p>
             <a:pPr lvl="2"/>
             <a:r>
-              <a:rPr lang="en-US"/>
+              <a:rPr lang="en-US" smtClean="0"/>
               <a:t>Third level</a:t>
             </a:r>
           </a:p>
           <a:p>
             <a:pPr lvl="3"/>
             <a:r>
-              <a:rPr lang="en-US"/>
+              <a:rPr lang="en-US" smtClean="0"/>
               <a:t>Fourth level</a:t>
             </a:r>
           </a:p>
           <a:p>
             <a:pPr lvl="4"/>
             <a:r>
-              <a:rPr lang="en-US"/>
+              <a:rPr lang="en-US" smtClean="0"/>
               <a:t>Fifth level</a:t>
             </a:r>
+            <a:endParaRPr lang="en-US"/>
           </a:p>
         </p:txBody>
       </p:sp>
@@ -1355,7 +1391,7 @@
           <a:p>
             <a:pPr lvl="0"/>
             <a:r>
-              <a:rPr lang="en-US"/>
+              <a:rPr lang="en-US" smtClean="0"/>
               <a:t>Click to edit Master text styles</a:t>
             </a:r>
           </a:p>
@@ -1411,37 +1447,38 @@
           <a:p>
             <a:pPr lvl="0"/>
             <a:r>
-              <a:rPr lang="en-US"/>
+              <a:rPr lang="en-US" smtClean="0"/>
               <a:t>Click to edit Master text styles</a:t>
             </a:r>
           </a:p>
           <a:p>
             <a:pPr lvl="1"/>
             <a:r>
-              <a:rPr lang="en-US"/>
+              <a:rPr lang="en-US" smtClean="0"/>
               <a:t>Second level</a:t>
             </a:r>
           </a:p>
           <a:p>
             <a:pPr lvl="2"/>
             <a:r>
-              <a:rPr lang="en-US"/>
+              <a:rPr lang="en-US" smtClean="0"/>
               <a:t>Third level</a:t>
             </a:r>
           </a:p>
           <a:p>
             <a:pPr lvl="3"/>
             <a:r>
-              <a:rPr lang="en-US"/>
+              <a:rPr lang="en-US" smtClean="0"/>
               <a:t>Fourth level</a:t>
             </a:r>
           </a:p>
           <a:p>
             <a:pPr lvl="4"/>
             <a:r>
-              <a:rPr lang="en-US"/>
+              <a:rPr lang="en-US" smtClean="0"/>
               <a:t>Fifth level</a:t>
             </a:r>
+            <a:endParaRPr lang="en-US"/>
           </a:p>
         </p:txBody>
       </p:sp>
@@ -1470,7 +1507,7 @@
           <a:p>
             <a:fld id="{8D9FD3B9-E00D-2046-94F2-94B3E9C697EF}" type="datetimeFigureOut">
               <a:rPr lang="en-US" smtClean="0"/>
-              <a:t>10/2/18</a:t>
+              <a:t>6/13/14</a:t>
             </a:fld>
             <a:endParaRPr lang="en-US"/>
           </a:p>
@@ -1572,9 +1609,10 @@
           <a:lstStyle/>
           <a:p>
             <a:r>
-              <a:rPr lang="en-US"/>
+              <a:rPr lang="en-US" smtClean="0"/>
               <a:t>Click to edit Master title style</a:t>
             </a:r>
+            <a:endParaRPr lang="en-US"/>
           </a:p>
         </p:txBody>
       </p:sp>
@@ -1709,9 +1747,10 @@
           </a:lstStyle>
           <a:p>
             <a:r>
-              <a:rPr lang="en-US"/>
+              <a:rPr lang="en-US" smtClean="0"/>
               <a:t>Click to edit Master title style</a:t>
             </a:r>
+            <a:endParaRPr lang="en-US"/>
           </a:p>
         </p:txBody>
       </p:sp>
@@ -1765,37 +1804,38 @@
           <a:p>
             <a:pPr lvl="0"/>
             <a:r>
-              <a:rPr lang="en-US"/>
+              <a:rPr lang="en-US" smtClean="0"/>
               <a:t>Click to edit Master text styles</a:t>
             </a:r>
           </a:p>
           <a:p>
             <a:pPr lvl="1"/>
             <a:r>
-              <a:rPr lang="en-US"/>
+              <a:rPr lang="en-US" smtClean="0"/>
               <a:t>Second level</a:t>
             </a:r>
           </a:p>
           <a:p>
             <a:pPr lvl="2"/>
             <a:r>
-              <a:rPr lang="en-US"/>
+              <a:rPr lang="en-US" smtClean="0"/>
               <a:t>Third level</a:t>
             </a:r>
           </a:p>
           <a:p>
             <a:pPr lvl="3"/>
             <a:r>
-              <a:rPr lang="en-US"/>
+              <a:rPr lang="en-US" smtClean="0"/>
               <a:t>Fourth level</a:t>
             </a:r>
           </a:p>
           <a:p>
             <a:pPr lvl="4"/>
             <a:r>
-              <a:rPr lang="en-US"/>
+              <a:rPr lang="en-US" smtClean="0"/>
               <a:t>Fifth level</a:t>
             </a:r>
+            <a:endParaRPr lang="en-US"/>
           </a:p>
         </p:txBody>
       </p:sp>
@@ -1858,7 +1898,7 @@
           <a:p>
             <a:pPr lvl="0"/>
             <a:r>
-              <a:rPr lang="en-US"/>
+              <a:rPr lang="en-US" smtClean="0"/>
               <a:t>Click to edit Master text styles</a:t>
             </a:r>
           </a:p>
@@ -1942,9 +1982,10 @@
           </a:lstStyle>
           <a:p>
             <a:r>
-              <a:rPr lang="en-US"/>
+              <a:rPr lang="en-US" smtClean="0"/>
               <a:t>Click to edit Master title style</a:t>
             </a:r>
+            <a:endParaRPr lang="en-US"/>
           </a:p>
         </p:txBody>
       </p:sp>
@@ -2068,7 +2109,7 @@
           <a:p>
             <a:pPr lvl="0"/>
             <a:r>
-              <a:rPr lang="en-US"/>
+              <a:rPr lang="en-US" smtClean="0"/>
               <a:t>Click to edit Master text styles</a:t>
             </a:r>
           </a:p>
@@ -2158,9 +2199,10 @@
           <a:lstStyle/>
           <a:p>
             <a:r>
-              <a:rPr lang="en-US" dirty="0"/>
+              <a:rPr lang="en-US" dirty="0" smtClean="0"/>
               <a:t>Click to edit Master title style</a:t>
             </a:r>
+            <a:endParaRPr lang="en-US" dirty="0"/>
           </a:p>
         </p:txBody>
       </p:sp>
@@ -2191,37 +2233,38 @@
           <a:p>
             <a:pPr lvl="0"/>
             <a:r>
-              <a:rPr lang="en-US" dirty="0"/>
+              <a:rPr lang="en-US" dirty="0" smtClean="0"/>
               <a:t>Click to edit Master text styles</a:t>
             </a:r>
           </a:p>
           <a:p>
             <a:pPr lvl="1"/>
             <a:r>
-              <a:rPr lang="en-US" dirty="0"/>
+              <a:rPr lang="en-US" dirty="0" smtClean="0"/>
               <a:t>Second level</a:t>
             </a:r>
           </a:p>
           <a:p>
             <a:pPr lvl="2"/>
             <a:r>
-              <a:rPr lang="en-US" dirty="0"/>
+              <a:rPr lang="en-US" dirty="0" smtClean="0"/>
               <a:t>Third level</a:t>
             </a:r>
           </a:p>
           <a:p>
             <a:pPr lvl="3"/>
             <a:r>
-              <a:rPr lang="en-US" dirty="0"/>
+              <a:rPr lang="en-US" dirty="0" smtClean="0"/>
               <a:t>Fourth level</a:t>
             </a:r>
           </a:p>
           <a:p>
             <a:pPr lvl="4"/>
             <a:r>
-              <a:rPr lang="en-US" dirty="0"/>
+              <a:rPr lang="en-US" dirty="0" smtClean="0"/>
               <a:t>Fifth level</a:t>
             </a:r>
+            <a:endParaRPr lang="en-US" dirty="0"/>
           </a:p>
         </p:txBody>
       </p:sp>
@@ -2459,19 +2502,19 @@
               <a:buNone/>
             </a:pPr>
             <a:r>
-              <a:rPr lang="en-US" sz="1400" dirty="0"/>
+              <a:rPr lang="en-US" sz="1400" dirty="0" smtClean="0"/>
               <a:t>CS</a:t>
             </a:r>
             <a:r>
-              <a:rPr lang="en-US" sz="1400" baseline="0" dirty="0"/>
+              <a:rPr lang="en-US" sz="1400" baseline="0" dirty="0" smtClean="0"/>
               <a:t> 1323-010</a:t>
             </a:r>
             <a:r>
-              <a:rPr lang="en-US" sz="1400" dirty="0"/>
+              <a:rPr lang="en-US" sz="1400" dirty="0" smtClean="0"/>
               <a:t> | Introduction</a:t>
             </a:r>
             <a:r>
-              <a:rPr lang="en-US" sz="1400" baseline="0" dirty="0"/>
+              <a:rPr lang="en-US" sz="1400" baseline="0" dirty="0" smtClean="0"/>
               <a:t> to Computer Programming</a:t>
             </a:r>
             <a:endParaRPr lang="en-US" sz="1400" dirty="0"/>
@@ -2537,6 +2580,13 @@
     <p:sldLayoutId id="2147483658" r:id="rId10"/>
     <p:sldLayoutId id="2147483659" r:id="rId11"/>
   </p:sldLayoutIdLst>
+  <p:timing>
+    <p:tnLst>
+      <p:par>
+        <p:cTn xmlns:p14="http://schemas.microsoft.com/office/powerpoint/2010/main" id="1" dur="indefinite" restart="never" nodeType="tmRoot"/>
+      </p:par>
+    </p:tnLst>
+  </p:timing>
   <p:txStyles>
     <p:titleStyle>
       <a:lvl1pPr algn="ctr" defTabSz="457200" rtl="0" eaLnBrk="1" latinLnBrk="0" hangingPunct="1">
@@ -2809,13 +2859,7 @@
       </p:grpSpPr>
       <p:sp>
         <p:nvSpPr>
-          <p:cNvPr id="2" name="Title 1">
-            <a:extLst>
-              <a:ext uri="{FF2B5EF4-FFF2-40B4-BE49-F238E27FC236}">
-                <a16:creationId xmlns:a16="http://schemas.microsoft.com/office/drawing/2014/main" id="{A89D23EE-836D-EB41-9961-1C49C4874F73}"/>
-              </a:ext>
-            </a:extLst>
-          </p:cNvPr>
+          <p:cNvPr id="2" name="Title 1"/>
           <p:cNvSpPr>
             <a:spLocks noGrp="1"/>
           </p:cNvSpPr>
@@ -2825,11 +2869,13 @@
         </p:nvSpPr>
         <p:spPr/>
         <p:txBody>
-          <a:bodyPr/>
+          <a:bodyPr>
+            <a:normAutofit/>
+          </a:bodyPr>
           <a:lstStyle/>
           <a:p>
             <a:r>
-              <a:rPr lang="en-US" b="1" dirty="0">
+              <a:rPr lang="en-US" b="1" dirty="0" smtClean="0">
                 <a:solidFill>
                   <a:schemeClr val="tx1">
                     <a:lumMod val="75000"/>
@@ -2839,19 +2885,20 @@
               </a:rPr>
               <a:t>Rectangles versus Triangles</a:t>
             </a:r>
-            <a:endParaRPr lang="en-US" dirty="0"/>
+            <a:endParaRPr lang="en-US" b="1" dirty="0">
+              <a:solidFill>
+                <a:schemeClr val="tx1">
+                  <a:lumMod val="75000"/>
+                  <a:lumOff val="25000"/>
+                </a:schemeClr>
+              </a:solidFill>
+            </a:endParaRPr>
           </a:p>
         </p:txBody>
       </p:sp>
       <p:sp>
         <p:nvSpPr>
-          <p:cNvPr id="3" name="Subtitle 2">
-            <a:extLst>
-              <a:ext uri="{FF2B5EF4-FFF2-40B4-BE49-F238E27FC236}">
-                <a16:creationId xmlns:a16="http://schemas.microsoft.com/office/drawing/2014/main" id="{61A77086-D2A1-A249-ACA5-94362D389BA0}"/>
-              </a:ext>
-            </a:extLst>
-          </p:cNvPr>
+          <p:cNvPr id="3" name="Subtitle 2"/>
           <p:cNvSpPr>
             <a:spLocks noGrp="1"/>
           </p:cNvSpPr>
@@ -2859,25 +2906,5157 @@
             <p:ph type="subTitle" idx="1"/>
           </p:nvPr>
         </p:nvSpPr>
-        <p:spPr/>
+        <p:spPr>
+          <a:xfrm>
+            <a:off x="1371600" y="2700337"/>
+            <a:ext cx="6400800" cy="1341779"/>
+          </a:xfrm>
+        </p:spPr>
         <p:txBody>
           <a:bodyPr/>
           <a:lstStyle/>
           <a:p>
-            <a:endParaRPr lang="en-US"/>
+            <a:r>
+              <a:rPr lang="en-US" dirty="0" smtClean="0">
+                <a:solidFill>
+                  <a:srgbClr val="0C91D2"/>
+                </a:solidFill>
+                <a:latin typeface="Helvetica Neue"/>
+                <a:cs typeface="Helvetica Neue"/>
+              </a:rPr>
+              <a:t>Nested Loops</a:t>
+            </a:r>
+            <a:endParaRPr lang="en-US" dirty="0">
+              <a:solidFill>
+                <a:srgbClr val="0C91D2"/>
+              </a:solidFill>
+              <a:latin typeface="Helvetica Neue"/>
+              <a:cs typeface="Helvetica Neue"/>
+            </a:endParaRPr>
           </a:p>
         </p:txBody>
       </p:sp>
     </p:spTree>
     <p:extLst>
       <p:ext uri="{BB962C8B-B14F-4D97-AF65-F5344CB8AC3E}">
-        <p14:creationId xmlns:p14="http://schemas.microsoft.com/office/powerpoint/2010/main" val="3124232749"/>
+        <p14:creationId xmlns:p14="http://schemas.microsoft.com/office/powerpoint/2010/main" val="515677010"/>
       </p:ext>
     </p:extLst>
   </p:cSld>
   <p:clrMapOvr>
     <a:masterClrMapping/>
   </p:clrMapOvr>
+  <p:timing>
+    <p:tnLst>
+      <p:par>
+        <p:cTn xmlns:p14="http://schemas.microsoft.com/office/powerpoint/2010/main" id="1" dur="indefinite" restart="never" nodeType="tmRoot"/>
+      </p:par>
+    </p:tnLst>
+  </p:timing>
+</p:sld>
+</file>
+
+<file path=ppt/slides/slide10.xml><?xml version="1.0" encoding="utf-8"?>
+<p:sld xmlns:a="http://schemas.openxmlformats.org/drawingml/2006/main" xmlns:r="http://schemas.openxmlformats.org/officeDocument/2006/relationships" xmlns:p="http://schemas.openxmlformats.org/presentationml/2006/main">
+  <p:cSld>
+    <p:spTree>
+      <p:nvGrpSpPr>
+        <p:cNvPr id="1" name=""/>
+        <p:cNvGrpSpPr/>
+        <p:nvPr/>
+      </p:nvGrpSpPr>
+      <p:grpSpPr>
+        <a:xfrm>
+          <a:off x="0" y="0"/>
+          <a:ext cx="0" cy="0"/>
+          <a:chOff x="0" y="0"/>
+          <a:chExt cx="0" cy="0"/>
+        </a:xfrm>
+      </p:grpSpPr>
+      <p:sp>
+        <p:nvSpPr>
+          <p:cNvPr id="3" name="Content Placeholder 2"/>
+          <p:cNvSpPr>
+            <a:spLocks noGrp="1"/>
+          </p:cNvSpPr>
+          <p:nvPr>
+            <p:ph idx="1"/>
+          </p:nvPr>
+        </p:nvSpPr>
+        <p:spPr>
+          <a:xfrm>
+            <a:off x="457200" y="404167"/>
+            <a:ext cx="8229600" cy="4190456"/>
+          </a:xfrm>
+        </p:spPr>
+        <p:txBody>
+          <a:bodyPr>
+            <a:normAutofit fontScale="77500" lnSpcReduction="20000"/>
+          </a:bodyPr>
+          <a:lstStyle/>
+          <a:p>
+            <a:pPr marL="0" indent="0">
+              <a:buNone/>
+            </a:pPr>
+            <a:r>
+              <a:rPr lang="en-US" dirty="0"/>
+              <a:t>public static </a:t>
+            </a:r>
+            <a:r>
+              <a:rPr lang="en-US" dirty="0" err="1"/>
+              <a:t>boolean</a:t>
+            </a:r>
+            <a:r>
+              <a:rPr lang="en-US" dirty="0"/>
+              <a:t> </a:t>
+            </a:r>
+            <a:r>
+              <a:rPr lang="en-US" dirty="0" err="1" smtClean="0"/>
+              <a:t>uniqueElements</a:t>
+            </a:r>
+            <a:r>
+              <a:rPr lang="en-US" dirty="0" smtClean="0"/>
+              <a:t>(</a:t>
+            </a:r>
+            <a:r>
+              <a:rPr lang="en-US" dirty="0" err="1"/>
+              <a:t>int</a:t>
+            </a:r>
+            <a:r>
+              <a:rPr lang="en-US" dirty="0"/>
+              <a:t>[] </a:t>
+            </a:r>
+            <a:r>
+              <a:rPr lang="en-US" dirty="0" smtClean="0"/>
+              <a:t>first)</a:t>
+            </a:r>
+            <a:endParaRPr lang="en-US" dirty="0"/>
+          </a:p>
+          <a:p>
+            <a:pPr marL="0" indent="0">
+              <a:buNone/>
+            </a:pPr>
+            <a:r>
+              <a:rPr lang="en-US" dirty="0"/>
+              <a:t>{</a:t>
+            </a:r>
+          </a:p>
+          <a:p>
+            <a:pPr marL="0" indent="0">
+              <a:buNone/>
+            </a:pPr>
+            <a:r>
+              <a:rPr lang="en-US" dirty="0"/>
+              <a:t>	for (</a:t>
+            </a:r>
+            <a:r>
+              <a:rPr lang="en-US" dirty="0" err="1"/>
+              <a:t>int</a:t>
+            </a:r>
+            <a:r>
+              <a:rPr lang="en-US" dirty="0"/>
+              <a:t> </a:t>
+            </a:r>
+            <a:r>
+              <a:rPr lang="en-US" dirty="0" err="1"/>
+              <a:t>firstIndex</a:t>
+            </a:r>
+            <a:r>
+              <a:rPr lang="en-US" dirty="0"/>
+              <a:t> = 0</a:t>
+            </a:r>
+            <a:r>
+              <a:rPr lang="en-US" dirty="0" smtClean="0"/>
+              <a:t>; </a:t>
+            </a:r>
+            <a:r>
+              <a:rPr lang="en-US" dirty="0" err="1"/>
+              <a:t>firstIndex</a:t>
+            </a:r>
+            <a:r>
+              <a:rPr lang="en-US" dirty="0"/>
+              <a:t>&lt;</a:t>
+            </a:r>
+            <a:r>
+              <a:rPr lang="en-US" dirty="0" err="1"/>
+              <a:t>first.length</a:t>
+            </a:r>
+            <a:r>
+              <a:rPr lang="en-US" dirty="0"/>
+              <a:t>; ++</a:t>
+            </a:r>
+            <a:r>
+              <a:rPr lang="en-US" dirty="0" err="1"/>
+              <a:t>firstIndex</a:t>
+            </a:r>
+            <a:r>
+              <a:rPr lang="en-US" dirty="0"/>
+              <a:t>)</a:t>
+            </a:r>
+          </a:p>
+          <a:p>
+            <a:pPr marL="0" indent="0">
+              <a:buNone/>
+            </a:pPr>
+            <a:r>
+              <a:rPr lang="en-US" dirty="0"/>
+              <a:t>		for (</a:t>
+            </a:r>
+            <a:r>
+              <a:rPr lang="en-US" dirty="0" err="1"/>
+              <a:t>int</a:t>
+            </a:r>
+            <a:r>
+              <a:rPr lang="en-US" dirty="0"/>
+              <a:t> </a:t>
+            </a:r>
+            <a:r>
+              <a:rPr lang="en-US" dirty="0" err="1"/>
+              <a:t>secIndex</a:t>
+            </a:r>
+            <a:r>
+              <a:rPr lang="en-US" dirty="0"/>
+              <a:t> = </a:t>
+            </a:r>
+            <a:r>
+              <a:rPr lang="en-US" dirty="0" smtClean="0"/>
+              <a:t>firstIndex+1; </a:t>
+            </a:r>
+            <a:r>
+              <a:rPr lang="en-US" dirty="0" err="1"/>
+              <a:t>secIndex</a:t>
+            </a:r>
+            <a:r>
+              <a:rPr lang="en-US" dirty="0" smtClean="0"/>
+              <a:t>&lt;</a:t>
+            </a:r>
+            <a:r>
+              <a:rPr lang="en-US" dirty="0" err="1" smtClean="0"/>
+              <a:t>first.length</a:t>
+            </a:r>
+            <a:r>
+              <a:rPr lang="en-US" dirty="0"/>
+              <a:t>; </a:t>
+            </a:r>
+            <a:endParaRPr lang="en-US" dirty="0" smtClean="0"/>
+          </a:p>
+          <a:p>
+            <a:pPr marL="0" indent="0">
+              <a:buNone/>
+            </a:pPr>
+            <a:r>
+              <a:rPr lang="en-US" dirty="0"/>
+              <a:t>	</a:t>
+            </a:r>
+            <a:r>
+              <a:rPr lang="en-US" dirty="0" smtClean="0"/>
+              <a:t>			+</a:t>
+            </a:r>
+            <a:r>
+              <a:rPr lang="en-US" dirty="0"/>
+              <a:t>+</a:t>
+            </a:r>
+            <a:r>
+              <a:rPr lang="en-US" dirty="0" err="1"/>
+              <a:t>secIndex</a:t>
+            </a:r>
+            <a:r>
+              <a:rPr lang="en-US" dirty="0"/>
+              <a:t>)</a:t>
+            </a:r>
+          </a:p>
+          <a:p>
+            <a:pPr marL="0" indent="0">
+              <a:buNone/>
+            </a:pPr>
+            <a:r>
+              <a:rPr lang="en-US" dirty="0"/>
+              <a:t>			if (first[</a:t>
+            </a:r>
+            <a:r>
+              <a:rPr lang="en-US" dirty="0" err="1"/>
+              <a:t>firstIndex</a:t>
+            </a:r>
+            <a:r>
+              <a:rPr lang="en-US" dirty="0"/>
+              <a:t>] == </a:t>
+            </a:r>
+            <a:r>
+              <a:rPr lang="en-US" dirty="0" smtClean="0"/>
+              <a:t>first[</a:t>
+            </a:r>
+            <a:r>
+              <a:rPr lang="en-US" dirty="0" err="1"/>
+              <a:t>secIndex</a:t>
+            </a:r>
+            <a:r>
+              <a:rPr lang="en-US" dirty="0"/>
+              <a:t>])</a:t>
+            </a:r>
+          </a:p>
+          <a:p>
+            <a:pPr marL="0" indent="0">
+              <a:buNone/>
+            </a:pPr>
+            <a:r>
+              <a:rPr lang="en-US" dirty="0"/>
+              <a:t>				return false;</a:t>
+            </a:r>
+          </a:p>
+          <a:p>
+            <a:pPr marL="0" indent="0">
+              <a:buNone/>
+            </a:pPr>
+            <a:endParaRPr lang="en-US" dirty="0"/>
+          </a:p>
+          <a:p>
+            <a:pPr marL="0" indent="0">
+              <a:buNone/>
+            </a:pPr>
+            <a:r>
+              <a:rPr lang="en-US" dirty="0"/>
+              <a:t>	return true;</a:t>
+            </a:r>
+          </a:p>
+          <a:p>
+            <a:pPr marL="0" indent="0">
+              <a:buNone/>
+            </a:pPr>
+            <a:r>
+              <a:rPr lang="en-US" dirty="0"/>
+              <a:t>}</a:t>
+            </a:r>
+          </a:p>
+          <a:p>
+            <a:pPr marL="0" indent="0">
+              <a:buNone/>
+            </a:pPr>
+            <a:endParaRPr lang="en-US" dirty="0"/>
+          </a:p>
+        </p:txBody>
+      </p:sp>
+    </p:spTree>
+    <p:extLst>
+      <p:ext uri="{BB962C8B-B14F-4D97-AF65-F5344CB8AC3E}">
+        <p14:creationId xmlns:p14="http://schemas.microsoft.com/office/powerpoint/2010/main" val="230561831"/>
+      </p:ext>
+    </p:extLst>
+  </p:cSld>
+  <p:clrMapOvr>
+    <a:masterClrMapping/>
+  </p:clrMapOvr>
+  <p:timing>
+    <p:tnLst>
+      <p:par>
+        <p:cTn xmlns:p14="http://schemas.microsoft.com/office/powerpoint/2010/main" id="1" dur="indefinite" restart="never" nodeType="tmRoot"/>
+      </p:par>
+    </p:tnLst>
+  </p:timing>
+</p:sld>
+</file>
+
+<file path=ppt/slides/slide11.xml><?xml version="1.0" encoding="utf-8"?>
+<p:sld xmlns:a="http://schemas.openxmlformats.org/drawingml/2006/main" xmlns:r="http://schemas.openxmlformats.org/officeDocument/2006/relationships" xmlns:p="http://schemas.openxmlformats.org/presentationml/2006/main">
+  <p:cSld>
+    <p:spTree>
+      <p:nvGrpSpPr>
+        <p:cNvPr id="1" name=""/>
+        <p:cNvGrpSpPr/>
+        <p:nvPr/>
+      </p:nvGrpSpPr>
+      <p:grpSpPr>
+        <a:xfrm>
+          <a:off x="0" y="0"/>
+          <a:ext cx="0" cy="0"/>
+          <a:chOff x="0" y="0"/>
+          <a:chExt cx="0" cy="0"/>
+        </a:xfrm>
+      </p:grpSpPr>
+      <p:sp>
+        <p:nvSpPr>
+          <p:cNvPr id="2" name="Title 1"/>
+          <p:cNvSpPr>
+            <a:spLocks noGrp="1"/>
+          </p:cNvSpPr>
+          <p:nvPr>
+            <p:ph type="title"/>
+          </p:nvPr>
+        </p:nvSpPr>
+        <p:spPr/>
+        <p:txBody>
+          <a:bodyPr/>
+          <a:lstStyle/>
+          <a:p>
+            <a:r>
+              <a:rPr lang="en-US" dirty="0" smtClean="0"/>
+              <a:t>Observations</a:t>
+            </a:r>
+            <a:endParaRPr lang="en-US" dirty="0"/>
+          </a:p>
+        </p:txBody>
+      </p:sp>
+      <p:sp>
+        <p:nvSpPr>
+          <p:cNvPr id="3" name="Content Placeholder 2"/>
+          <p:cNvSpPr>
+            <a:spLocks noGrp="1"/>
+          </p:cNvSpPr>
+          <p:nvPr>
+            <p:ph idx="1"/>
+          </p:nvPr>
+        </p:nvSpPr>
+        <p:spPr/>
+        <p:txBody>
+          <a:bodyPr>
+            <a:normAutofit fontScale="92500" lnSpcReduction="20000"/>
+          </a:bodyPr>
+          <a:lstStyle/>
+          <a:p>
+            <a:r>
+              <a:rPr lang="en-US" dirty="0" smtClean="0"/>
+              <a:t>Need a plan for discovering the structure of nested loop</a:t>
+            </a:r>
+          </a:p>
+          <a:p>
+            <a:r>
+              <a:rPr lang="en-US" dirty="0" smtClean="0"/>
+              <a:t>Critical step: slowing down your thinking enough so you can figure out how you are doing the operation</a:t>
+            </a:r>
+          </a:p>
+          <a:p>
+            <a:pPr lvl="1"/>
+            <a:r>
+              <a:rPr lang="en-US" dirty="0" smtClean="0"/>
+              <a:t>Working through small examples slowly helps</a:t>
+            </a:r>
+          </a:p>
+          <a:p>
+            <a:r>
+              <a:rPr lang="en-US" dirty="0" smtClean="0"/>
+              <a:t>I also like to draw pictures</a:t>
+            </a:r>
+          </a:p>
+          <a:p>
+            <a:r>
+              <a:rPr lang="en-US" dirty="0" smtClean="0"/>
+              <a:t>Bad idea</a:t>
+            </a:r>
+            <a:r>
+              <a:rPr lang="en-US" smtClean="0"/>
+              <a:t>: Hacking at code</a:t>
+            </a:r>
+            <a:endParaRPr lang="en-US" dirty="0" smtClean="0"/>
+          </a:p>
+        </p:txBody>
+      </p:sp>
+    </p:spTree>
+    <p:extLst>
+      <p:ext uri="{BB962C8B-B14F-4D97-AF65-F5344CB8AC3E}">
+        <p14:creationId xmlns:p14="http://schemas.microsoft.com/office/powerpoint/2010/main" val="2523693892"/>
+      </p:ext>
+    </p:extLst>
+  </p:cSld>
+  <p:clrMapOvr>
+    <a:masterClrMapping/>
+  </p:clrMapOvr>
+  <p:timing>
+    <p:tnLst>
+      <p:par>
+        <p:cTn xmlns:p14="http://schemas.microsoft.com/office/powerpoint/2010/main" id="1" dur="indefinite" restart="never" nodeType="tmRoot">
+          <p:childTnLst>
+            <p:seq concurrent="1" nextAc="seek">
+              <p:cTn id="2" dur="indefinite" nodeType="mainSeq">
+                <p:childTnLst>
+                  <p:par>
+                    <p:cTn id="3" fill="hold">
+                      <p:stCondLst>
+                        <p:cond delay="indefinite"/>
+                      </p:stCondLst>
+                      <p:childTnLst>
+                        <p:par>
+                          <p:cTn id="4" fill="hold">
+                            <p:stCondLst>
+                              <p:cond delay="0"/>
+                            </p:stCondLst>
+                            <p:childTnLst>
+                              <p:par>
+                                <p:cTn id="5" presetID="1" presetClass="entr" presetSubtype="0" fill="hold" nodeType="clickEffect">
+                                  <p:stCondLst>
+                                    <p:cond delay="0"/>
+                                  </p:stCondLst>
+                                  <p:childTnLst>
+                                    <p:set>
+                                      <p:cBhvr>
+                                        <p:cTn id="6" dur="1" fill="hold">
+                                          <p:stCondLst>
+                                            <p:cond delay="0"/>
+                                          </p:stCondLst>
+                                        </p:cTn>
+                                        <p:tgtEl>
+                                          <p:spTgt spid="3">
+                                            <p:txEl>
+                                              <p:pRg st="1" end="1"/>
+                                            </p:txEl>
+                                          </p:spTgt>
+                                        </p:tgtEl>
+                                        <p:attrNameLst>
+                                          <p:attrName>style.visibility</p:attrName>
+                                        </p:attrNameLst>
+                                      </p:cBhvr>
+                                      <p:to>
+                                        <p:strVal val="visible"/>
+                                      </p:to>
+                                    </p:set>
+                                  </p:childTnLst>
+                                </p:cTn>
+                              </p:par>
+                            </p:childTnLst>
+                          </p:cTn>
+                        </p:par>
+                      </p:childTnLst>
+                    </p:cTn>
+                  </p:par>
+                  <p:par>
+                    <p:cTn id="7" fill="hold">
+                      <p:stCondLst>
+                        <p:cond delay="indefinite"/>
+                      </p:stCondLst>
+                      <p:childTnLst>
+                        <p:par>
+                          <p:cTn id="8" fill="hold">
+                            <p:stCondLst>
+                              <p:cond delay="0"/>
+                            </p:stCondLst>
+                            <p:childTnLst>
+                              <p:par>
+                                <p:cTn id="9" presetID="1" presetClass="entr" presetSubtype="0" fill="hold" nodeType="clickEffect">
+                                  <p:stCondLst>
+                                    <p:cond delay="0"/>
+                                  </p:stCondLst>
+                                  <p:childTnLst>
+                                    <p:set>
+                                      <p:cBhvr>
+                                        <p:cTn id="10" dur="1" fill="hold">
+                                          <p:stCondLst>
+                                            <p:cond delay="0"/>
+                                          </p:stCondLst>
+                                        </p:cTn>
+                                        <p:tgtEl>
+                                          <p:spTgt spid="3">
+                                            <p:txEl>
+                                              <p:pRg st="2" end="2"/>
+                                            </p:txEl>
+                                          </p:spTgt>
+                                        </p:tgtEl>
+                                        <p:attrNameLst>
+                                          <p:attrName>style.visibility</p:attrName>
+                                        </p:attrNameLst>
+                                      </p:cBhvr>
+                                      <p:to>
+                                        <p:strVal val="visible"/>
+                                      </p:to>
+                                    </p:set>
+                                  </p:childTnLst>
+                                </p:cTn>
+                              </p:par>
+                            </p:childTnLst>
+                          </p:cTn>
+                        </p:par>
+                      </p:childTnLst>
+                    </p:cTn>
+                  </p:par>
+                  <p:par>
+                    <p:cTn id="11" fill="hold">
+                      <p:stCondLst>
+                        <p:cond delay="indefinite"/>
+                      </p:stCondLst>
+                      <p:childTnLst>
+                        <p:par>
+                          <p:cTn id="12" fill="hold">
+                            <p:stCondLst>
+                              <p:cond delay="0"/>
+                            </p:stCondLst>
+                            <p:childTnLst>
+                              <p:par>
+                                <p:cTn id="13" presetID="1" presetClass="entr" presetSubtype="0" fill="hold" nodeType="clickEffect">
+                                  <p:stCondLst>
+                                    <p:cond delay="0"/>
+                                  </p:stCondLst>
+                                  <p:childTnLst>
+                                    <p:set>
+                                      <p:cBhvr>
+                                        <p:cTn id="14" dur="1" fill="hold">
+                                          <p:stCondLst>
+                                            <p:cond delay="0"/>
+                                          </p:stCondLst>
+                                        </p:cTn>
+                                        <p:tgtEl>
+                                          <p:spTgt spid="3">
+                                            <p:txEl>
+                                              <p:pRg st="3" end="3"/>
+                                            </p:txEl>
+                                          </p:spTgt>
+                                        </p:tgtEl>
+                                        <p:attrNameLst>
+                                          <p:attrName>style.visibility</p:attrName>
+                                        </p:attrNameLst>
+                                      </p:cBhvr>
+                                      <p:to>
+                                        <p:strVal val="visible"/>
+                                      </p:to>
+                                    </p:set>
+                                  </p:childTnLst>
+                                </p:cTn>
+                              </p:par>
+                            </p:childTnLst>
+                          </p:cTn>
+                        </p:par>
+                      </p:childTnLst>
+                    </p:cTn>
+                  </p:par>
+                  <p:par>
+                    <p:cTn id="15" fill="hold">
+                      <p:stCondLst>
+                        <p:cond delay="indefinite"/>
+                      </p:stCondLst>
+                      <p:childTnLst>
+                        <p:par>
+                          <p:cTn id="16" fill="hold">
+                            <p:stCondLst>
+                              <p:cond delay="0"/>
+                            </p:stCondLst>
+                            <p:childTnLst>
+                              <p:par>
+                                <p:cTn id="17" presetID="1" presetClass="entr" presetSubtype="0" fill="hold" nodeType="clickEffect">
+                                  <p:stCondLst>
+                                    <p:cond delay="0"/>
+                                  </p:stCondLst>
+                                  <p:childTnLst>
+                                    <p:set>
+                                      <p:cBhvr>
+                                        <p:cTn id="18" dur="1" fill="hold">
+                                          <p:stCondLst>
+                                            <p:cond delay="0"/>
+                                          </p:stCondLst>
+                                        </p:cTn>
+                                        <p:tgtEl>
+                                          <p:spTgt spid="3">
+                                            <p:txEl>
+                                              <p:pRg st="4" end="4"/>
+                                            </p:txEl>
+                                          </p:spTgt>
+                                        </p:tgtEl>
+                                        <p:attrNameLst>
+                                          <p:attrName>style.visibility</p:attrName>
+                                        </p:attrNameLst>
+                                      </p:cBhvr>
+                                      <p:to>
+                                        <p:strVal val="visible"/>
+                                      </p:to>
+                                    </p:set>
+                                  </p:childTnLst>
+                                </p:cTn>
+                              </p:par>
+                            </p:childTnLst>
+                          </p:cTn>
+                        </p:par>
+                      </p:childTnLst>
+                    </p:cTn>
+                  </p:par>
+                </p:childTnLst>
+              </p:cTn>
+              <p:prevCondLst>
+                <p:cond evt="onPrev" delay="0">
+                  <p:tgtEl>
+                    <p:sldTgt/>
+                  </p:tgtEl>
+                </p:cond>
+              </p:prevCondLst>
+              <p:nextCondLst>
+                <p:cond evt="onNext" delay="0">
+                  <p:tgtEl>
+                    <p:sldTgt/>
+                  </p:tgtEl>
+                </p:cond>
+              </p:nextCondLst>
+            </p:seq>
+          </p:childTnLst>
+        </p:cTn>
+      </p:par>
+    </p:tnLst>
+  </p:timing>
+</p:sld>
+</file>
+
+<file path=ppt/slides/slide12.xml><?xml version="1.0" encoding="utf-8"?>
+<p:sld xmlns:a="http://schemas.openxmlformats.org/drawingml/2006/main" xmlns:r="http://schemas.openxmlformats.org/officeDocument/2006/relationships" xmlns:p="http://schemas.openxmlformats.org/presentationml/2006/main">
+  <p:cSld>
+    <p:spTree>
+      <p:nvGrpSpPr>
+        <p:cNvPr id="1" name=""/>
+        <p:cNvGrpSpPr/>
+        <p:nvPr/>
+      </p:nvGrpSpPr>
+      <p:grpSpPr>
+        <a:xfrm>
+          <a:off x="0" y="0"/>
+          <a:ext cx="0" cy="0"/>
+          <a:chOff x="0" y="0"/>
+          <a:chExt cx="0" cy="0"/>
+        </a:xfrm>
+      </p:grpSpPr>
+      <p:sp>
+        <p:nvSpPr>
+          <p:cNvPr id="4" name="Horizontal Scroll 3"/>
+          <p:cNvSpPr/>
+          <p:nvPr/>
+        </p:nvSpPr>
+        <p:spPr>
+          <a:xfrm>
+            <a:off x="1231602" y="1038961"/>
+            <a:ext cx="6799467" cy="2706430"/>
+          </a:xfrm>
+          <a:prstGeom prst="horizontalScroll">
+            <a:avLst/>
+          </a:prstGeom>
+        </p:spPr>
+        <p:style>
+          <a:lnRef idx="1">
+            <a:schemeClr val="accent5"/>
+          </a:lnRef>
+          <a:fillRef idx="2">
+            <a:schemeClr val="accent5"/>
+          </a:fillRef>
+          <a:effectRef idx="1">
+            <a:schemeClr val="accent5"/>
+          </a:effectRef>
+          <a:fontRef idx="minor">
+            <a:schemeClr val="dk1"/>
+          </a:fontRef>
+        </p:style>
+        <p:txBody>
+          <a:bodyPr rtlCol="0" anchor="ctr"/>
+          <a:lstStyle/>
+          <a:p>
+            <a:pPr algn="ctr"/>
+            <a:r>
+              <a:rPr lang="en-US" sz="5400" smtClean="0">
+                <a:solidFill>
+                  <a:schemeClr val="tx1"/>
+                </a:solidFill>
+              </a:rPr>
+              <a:t>Keep </a:t>
+            </a:r>
+            <a:r>
+              <a:rPr lang="en-US" sz="5400" dirty="0" smtClean="0">
+                <a:solidFill>
+                  <a:schemeClr val="tx1"/>
+                </a:solidFill>
+              </a:rPr>
+              <a:t>Programming!</a:t>
+            </a:r>
+            <a:endParaRPr lang="en-US" sz="5400" dirty="0">
+              <a:solidFill>
+                <a:schemeClr val="tx1"/>
+              </a:solidFill>
+            </a:endParaRPr>
+          </a:p>
+        </p:txBody>
+      </p:sp>
+    </p:spTree>
+    <p:extLst>
+      <p:ext uri="{BB962C8B-B14F-4D97-AF65-F5344CB8AC3E}">
+        <p14:creationId xmlns:p14="http://schemas.microsoft.com/office/powerpoint/2010/main" val="2981712169"/>
+      </p:ext>
+    </p:extLst>
+  </p:cSld>
+  <p:clrMapOvr>
+    <a:masterClrMapping/>
+  </p:clrMapOvr>
+  <p:timing>
+    <p:tnLst>
+      <p:par>
+        <p:cTn xmlns:p14="http://schemas.microsoft.com/office/powerpoint/2010/main" id="1" dur="indefinite" restart="never" nodeType="tmRoot"/>
+      </p:par>
+    </p:tnLst>
+  </p:timing>
+</p:sld>
+</file>
+
+<file path=ppt/slides/slide2.xml><?xml version="1.0" encoding="utf-8"?>
+<p:sld xmlns:a="http://schemas.openxmlformats.org/drawingml/2006/main" xmlns:r="http://schemas.openxmlformats.org/officeDocument/2006/relationships" xmlns:p="http://schemas.openxmlformats.org/presentationml/2006/main">
+  <p:cSld>
+    <p:spTree>
+      <p:nvGrpSpPr>
+        <p:cNvPr id="1" name=""/>
+        <p:cNvGrpSpPr/>
+        <p:nvPr/>
+      </p:nvGrpSpPr>
+      <p:grpSpPr>
+        <a:xfrm>
+          <a:off x="0" y="0"/>
+          <a:ext cx="0" cy="0"/>
+          <a:chOff x="0" y="0"/>
+          <a:chExt cx="0" cy="0"/>
+        </a:xfrm>
+      </p:grpSpPr>
+      <p:sp>
+        <p:nvSpPr>
+          <p:cNvPr id="2" name="Title 1"/>
+          <p:cNvSpPr>
+            <a:spLocks noGrp="1"/>
+          </p:cNvSpPr>
+          <p:nvPr>
+            <p:ph type="title"/>
+          </p:nvPr>
+        </p:nvSpPr>
+        <p:spPr/>
+        <p:txBody>
+          <a:bodyPr/>
+          <a:lstStyle/>
+          <a:p>
+            <a:r>
+              <a:rPr lang="en-US" dirty="0" smtClean="0"/>
+              <a:t>Identifying Nested Loops</a:t>
+            </a:r>
+            <a:endParaRPr lang="en-US" dirty="0"/>
+          </a:p>
+        </p:txBody>
+      </p:sp>
+      <p:sp>
+        <p:nvSpPr>
+          <p:cNvPr id="3" name="Content Placeholder 2"/>
+          <p:cNvSpPr>
+            <a:spLocks noGrp="1"/>
+          </p:cNvSpPr>
+          <p:nvPr>
+            <p:ph idx="1"/>
+          </p:nvPr>
+        </p:nvSpPr>
+        <p:spPr/>
+        <p:txBody>
+          <a:bodyPr>
+            <a:normAutofit fontScale="92500" lnSpcReduction="10000"/>
+          </a:bodyPr>
+          <a:lstStyle/>
+          <a:p>
+            <a:r>
+              <a:rPr lang="en-US" dirty="0" smtClean="0"/>
+              <a:t>Single loops are generally easy to identify</a:t>
+            </a:r>
+          </a:p>
+          <a:p>
+            <a:pPr lvl="1"/>
+            <a:r>
+              <a:rPr lang="en-US" dirty="0" smtClean="0"/>
+              <a:t>Linear</a:t>
+            </a:r>
+          </a:p>
+          <a:p>
+            <a:pPr lvl="1"/>
+            <a:r>
+              <a:rPr lang="en-US" dirty="0" smtClean="0"/>
+              <a:t>Exceptions (</a:t>
+            </a:r>
+            <a:r>
+              <a:rPr lang="en-US" dirty="0" err="1" smtClean="0"/>
+              <a:t>e.g</a:t>
+            </a:r>
+            <a:r>
+              <a:rPr lang="en-US" dirty="0" smtClean="0"/>
+              <a:t> binary search)</a:t>
+            </a:r>
+          </a:p>
+          <a:p>
+            <a:r>
+              <a:rPr lang="en-US" dirty="0" smtClean="0"/>
+              <a:t>Nested loops can be harder to identify</a:t>
+            </a:r>
+          </a:p>
+          <a:p>
+            <a:r>
+              <a:rPr lang="en-US" dirty="0" smtClean="0"/>
+              <a:t>Two common patterns</a:t>
+            </a:r>
+          </a:p>
+          <a:p>
+            <a:pPr lvl="1"/>
+            <a:r>
+              <a:rPr lang="en-US" dirty="0" smtClean="0"/>
+              <a:t>Rectangular</a:t>
+            </a:r>
+          </a:p>
+          <a:p>
+            <a:pPr lvl="1"/>
+            <a:r>
+              <a:rPr lang="en-US" dirty="0" smtClean="0"/>
+              <a:t>Triangular</a:t>
+            </a:r>
+            <a:endParaRPr lang="en-US" dirty="0"/>
+          </a:p>
+        </p:txBody>
+      </p:sp>
+    </p:spTree>
+    <p:extLst>
+      <p:ext uri="{BB962C8B-B14F-4D97-AF65-F5344CB8AC3E}">
+        <p14:creationId xmlns:p14="http://schemas.microsoft.com/office/powerpoint/2010/main" val="1939273796"/>
+      </p:ext>
+    </p:extLst>
+  </p:cSld>
+  <p:clrMapOvr>
+    <a:masterClrMapping/>
+  </p:clrMapOvr>
+  <p:timing>
+    <p:tnLst>
+      <p:par>
+        <p:cTn xmlns:p14="http://schemas.microsoft.com/office/powerpoint/2010/main" id="1" dur="indefinite" restart="never" nodeType="tmRoot">
+          <p:childTnLst>
+            <p:seq concurrent="1" nextAc="seek">
+              <p:cTn id="2" dur="indefinite" nodeType="mainSeq">
+                <p:childTnLst>
+                  <p:par>
+                    <p:cTn id="3" fill="hold">
+                      <p:stCondLst>
+                        <p:cond delay="indefinite"/>
+                      </p:stCondLst>
+                      <p:childTnLst>
+                        <p:par>
+                          <p:cTn id="4" fill="hold">
+                            <p:stCondLst>
+                              <p:cond delay="0"/>
+                            </p:stCondLst>
+                            <p:childTnLst>
+                              <p:par>
+                                <p:cTn id="5" presetID="1" presetClass="entr" presetSubtype="0" fill="hold" nodeType="clickEffect">
+                                  <p:stCondLst>
+                                    <p:cond delay="0"/>
+                                  </p:stCondLst>
+                                  <p:childTnLst>
+                                    <p:set>
+                                      <p:cBhvr>
+                                        <p:cTn id="6" dur="1" fill="hold">
+                                          <p:stCondLst>
+                                            <p:cond delay="0"/>
+                                          </p:stCondLst>
+                                        </p:cTn>
+                                        <p:tgtEl>
+                                          <p:spTgt spid="3">
+                                            <p:txEl>
+                                              <p:pRg st="1" end="1"/>
+                                            </p:txEl>
+                                          </p:spTgt>
+                                        </p:tgtEl>
+                                        <p:attrNameLst>
+                                          <p:attrName>style.visibility</p:attrName>
+                                        </p:attrNameLst>
+                                      </p:cBhvr>
+                                      <p:to>
+                                        <p:strVal val="visible"/>
+                                      </p:to>
+                                    </p:set>
+                                  </p:childTnLst>
+                                </p:cTn>
+                              </p:par>
+                            </p:childTnLst>
+                          </p:cTn>
+                        </p:par>
+                      </p:childTnLst>
+                    </p:cTn>
+                  </p:par>
+                  <p:par>
+                    <p:cTn id="7" fill="hold">
+                      <p:stCondLst>
+                        <p:cond delay="indefinite"/>
+                      </p:stCondLst>
+                      <p:childTnLst>
+                        <p:par>
+                          <p:cTn id="8" fill="hold">
+                            <p:stCondLst>
+                              <p:cond delay="0"/>
+                            </p:stCondLst>
+                            <p:childTnLst>
+                              <p:par>
+                                <p:cTn id="9" presetID="1" presetClass="entr" presetSubtype="0" fill="hold" nodeType="clickEffect">
+                                  <p:stCondLst>
+                                    <p:cond delay="0"/>
+                                  </p:stCondLst>
+                                  <p:childTnLst>
+                                    <p:set>
+                                      <p:cBhvr>
+                                        <p:cTn id="10" dur="1" fill="hold">
+                                          <p:stCondLst>
+                                            <p:cond delay="0"/>
+                                          </p:stCondLst>
+                                        </p:cTn>
+                                        <p:tgtEl>
+                                          <p:spTgt spid="3">
+                                            <p:txEl>
+                                              <p:pRg st="2" end="2"/>
+                                            </p:txEl>
+                                          </p:spTgt>
+                                        </p:tgtEl>
+                                        <p:attrNameLst>
+                                          <p:attrName>style.visibility</p:attrName>
+                                        </p:attrNameLst>
+                                      </p:cBhvr>
+                                      <p:to>
+                                        <p:strVal val="visible"/>
+                                      </p:to>
+                                    </p:set>
+                                  </p:childTnLst>
+                                </p:cTn>
+                              </p:par>
+                            </p:childTnLst>
+                          </p:cTn>
+                        </p:par>
+                      </p:childTnLst>
+                    </p:cTn>
+                  </p:par>
+                  <p:par>
+                    <p:cTn id="11" fill="hold">
+                      <p:stCondLst>
+                        <p:cond delay="indefinite"/>
+                      </p:stCondLst>
+                      <p:childTnLst>
+                        <p:par>
+                          <p:cTn id="12" fill="hold">
+                            <p:stCondLst>
+                              <p:cond delay="0"/>
+                            </p:stCondLst>
+                            <p:childTnLst>
+                              <p:par>
+                                <p:cTn id="13" presetID="1" presetClass="entr" presetSubtype="0" fill="hold" nodeType="clickEffect">
+                                  <p:stCondLst>
+                                    <p:cond delay="0"/>
+                                  </p:stCondLst>
+                                  <p:childTnLst>
+                                    <p:set>
+                                      <p:cBhvr>
+                                        <p:cTn id="14" dur="1" fill="hold">
+                                          <p:stCondLst>
+                                            <p:cond delay="0"/>
+                                          </p:stCondLst>
+                                        </p:cTn>
+                                        <p:tgtEl>
+                                          <p:spTgt spid="3">
+                                            <p:txEl>
+                                              <p:pRg st="3" end="3"/>
+                                            </p:txEl>
+                                          </p:spTgt>
+                                        </p:tgtEl>
+                                        <p:attrNameLst>
+                                          <p:attrName>style.visibility</p:attrName>
+                                        </p:attrNameLst>
+                                      </p:cBhvr>
+                                      <p:to>
+                                        <p:strVal val="visible"/>
+                                      </p:to>
+                                    </p:set>
+                                  </p:childTnLst>
+                                </p:cTn>
+                              </p:par>
+                            </p:childTnLst>
+                          </p:cTn>
+                        </p:par>
+                      </p:childTnLst>
+                    </p:cTn>
+                  </p:par>
+                  <p:par>
+                    <p:cTn id="15" fill="hold">
+                      <p:stCondLst>
+                        <p:cond delay="indefinite"/>
+                      </p:stCondLst>
+                      <p:childTnLst>
+                        <p:par>
+                          <p:cTn id="16" fill="hold">
+                            <p:stCondLst>
+                              <p:cond delay="0"/>
+                            </p:stCondLst>
+                            <p:childTnLst>
+                              <p:par>
+                                <p:cTn id="17" presetID="1" presetClass="entr" presetSubtype="0" fill="hold" nodeType="clickEffect">
+                                  <p:stCondLst>
+                                    <p:cond delay="0"/>
+                                  </p:stCondLst>
+                                  <p:childTnLst>
+                                    <p:set>
+                                      <p:cBhvr>
+                                        <p:cTn id="18" dur="1" fill="hold">
+                                          <p:stCondLst>
+                                            <p:cond delay="0"/>
+                                          </p:stCondLst>
+                                        </p:cTn>
+                                        <p:tgtEl>
+                                          <p:spTgt spid="3">
+                                            <p:txEl>
+                                              <p:pRg st="4" end="4"/>
+                                            </p:txEl>
+                                          </p:spTgt>
+                                        </p:tgtEl>
+                                        <p:attrNameLst>
+                                          <p:attrName>style.visibility</p:attrName>
+                                        </p:attrNameLst>
+                                      </p:cBhvr>
+                                      <p:to>
+                                        <p:strVal val="visible"/>
+                                      </p:to>
+                                    </p:set>
+                                  </p:childTnLst>
+                                </p:cTn>
+                              </p:par>
+                            </p:childTnLst>
+                          </p:cTn>
+                        </p:par>
+                      </p:childTnLst>
+                    </p:cTn>
+                  </p:par>
+                  <p:par>
+                    <p:cTn id="19" fill="hold">
+                      <p:stCondLst>
+                        <p:cond delay="indefinite"/>
+                      </p:stCondLst>
+                      <p:childTnLst>
+                        <p:par>
+                          <p:cTn id="20" fill="hold">
+                            <p:stCondLst>
+                              <p:cond delay="0"/>
+                            </p:stCondLst>
+                            <p:childTnLst>
+                              <p:par>
+                                <p:cTn id="21" presetID="1" presetClass="entr" presetSubtype="0" fill="hold" nodeType="clickEffect">
+                                  <p:stCondLst>
+                                    <p:cond delay="0"/>
+                                  </p:stCondLst>
+                                  <p:childTnLst>
+                                    <p:set>
+                                      <p:cBhvr>
+                                        <p:cTn id="22" dur="1" fill="hold">
+                                          <p:stCondLst>
+                                            <p:cond delay="0"/>
+                                          </p:stCondLst>
+                                        </p:cTn>
+                                        <p:tgtEl>
+                                          <p:spTgt spid="3">
+                                            <p:txEl>
+                                              <p:pRg st="5" end="5"/>
+                                            </p:txEl>
+                                          </p:spTgt>
+                                        </p:tgtEl>
+                                        <p:attrNameLst>
+                                          <p:attrName>style.visibility</p:attrName>
+                                        </p:attrNameLst>
+                                      </p:cBhvr>
+                                      <p:to>
+                                        <p:strVal val="visible"/>
+                                      </p:to>
+                                    </p:set>
+                                  </p:childTnLst>
+                                </p:cTn>
+                              </p:par>
+                            </p:childTnLst>
+                          </p:cTn>
+                        </p:par>
+                      </p:childTnLst>
+                    </p:cTn>
+                  </p:par>
+                  <p:par>
+                    <p:cTn id="23" fill="hold">
+                      <p:stCondLst>
+                        <p:cond delay="indefinite"/>
+                      </p:stCondLst>
+                      <p:childTnLst>
+                        <p:par>
+                          <p:cTn id="24" fill="hold">
+                            <p:stCondLst>
+                              <p:cond delay="0"/>
+                            </p:stCondLst>
+                            <p:childTnLst>
+                              <p:par>
+                                <p:cTn id="25" presetID="1" presetClass="entr" presetSubtype="0" fill="hold" nodeType="clickEffect">
+                                  <p:stCondLst>
+                                    <p:cond delay="0"/>
+                                  </p:stCondLst>
+                                  <p:childTnLst>
+                                    <p:set>
+                                      <p:cBhvr>
+                                        <p:cTn id="26" dur="1" fill="hold">
+                                          <p:stCondLst>
+                                            <p:cond delay="0"/>
+                                          </p:stCondLst>
+                                        </p:cTn>
+                                        <p:tgtEl>
+                                          <p:spTgt spid="3">
+                                            <p:txEl>
+                                              <p:pRg st="6" end="6"/>
+                                            </p:txEl>
+                                          </p:spTgt>
+                                        </p:tgtEl>
+                                        <p:attrNameLst>
+                                          <p:attrName>style.visibility</p:attrName>
+                                        </p:attrNameLst>
+                                      </p:cBhvr>
+                                      <p:to>
+                                        <p:strVal val="visible"/>
+                                      </p:to>
+                                    </p:set>
+                                  </p:childTnLst>
+                                </p:cTn>
+                              </p:par>
+                            </p:childTnLst>
+                          </p:cTn>
+                        </p:par>
+                      </p:childTnLst>
+                    </p:cTn>
+                  </p:par>
+                </p:childTnLst>
+              </p:cTn>
+              <p:prevCondLst>
+                <p:cond evt="onPrev" delay="0">
+                  <p:tgtEl>
+                    <p:sldTgt/>
+                  </p:tgtEl>
+                </p:cond>
+              </p:prevCondLst>
+              <p:nextCondLst>
+                <p:cond evt="onNext" delay="0">
+                  <p:tgtEl>
+                    <p:sldTgt/>
+                  </p:tgtEl>
+                </p:cond>
+              </p:nextCondLst>
+            </p:seq>
+          </p:childTnLst>
+        </p:cTn>
+      </p:par>
+    </p:tnLst>
+  </p:timing>
+</p:sld>
+</file>
+
+<file path=ppt/slides/slide3.xml><?xml version="1.0" encoding="utf-8"?>
+<p:sld xmlns:a="http://schemas.openxmlformats.org/drawingml/2006/main" xmlns:r="http://schemas.openxmlformats.org/officeDocument/2006/relationships" xmlns:p="http://schemas.openxmlformats.org/presentationml/2006/main">
+  <p:cSld>
+    <p:spTree>
+      <p:nvGrpSpPr>
+        <p:cNvPr id="1" name=""/>
+        <p:cNvGrpSpPr/>
+        <p:nvPr/>
+      </p:nvGrpSpPr>
+      <p:grpSpPr>
+        <a:xfrm>
+          <a:off x="0" y="0"/>
+          <a:ext cx="0" cy="0"/>
+          <a:chOff x="0" y="0"/>
+          <a:chExt cx="0" cy="0"/>
+        </a:xfrm>
+      </p:grpSpPr>
+      <p:sp>
+        <p:nvSpPr>
+          <p:cNvPr id="2" name="Title 1"/>
+          <p:cNvSpPr>
+            <a:spLocks noGrp="1"/>
+          </p:cNvSpPr>
+          <p:nvPr>
+            <p:ph type="title"/>
+          </p:nvPr>
+        </p:nvSpPr>
+        <p:spPr/>
+        <p:txBody>
+          <a:bodyPr>
+            <a:normAutofit/>
+          </a:bodyPr>
+          <a:lstStyle/>
+          <a:p>
+            <a:r>
+              <a:rPr lang="en-US" dirty="0" smtClean="0"/>
+              <a:t>Rectangular Nested for Loops</a:t>
+            </a:r>
+            <a:endParaRPr lang="en-US" dirty="0"/>
+          </a:p>
+        </p:txBody>
+      </p:sp>
+      <p:sp>
+        <p:nvSpPr>
+          <p:cNvPr id="3" name="Content Placeholder 2"/>
+          <p:cNvSpPr>
+            <a:spLocks noGrp="1"/>
+          </p:cNvSpPr>
+          <p:nvPr>
+            <p:ph idx="1"/>
+          </p:nvPr>
+        </p:nvSpPr>
+        <p:spPr/>
+        <p:txBody>
+          <a:bodyPr>
+            <a:normAutofit fontScale="92500" lnSpcReduction="20000"/>
+          </a:bodyPr>
+          <a:lstStyle/>
+          <a:p>
+            <a:r>
+              <a:rPr lang="en-US" dirty="0" smtClean="0"/>
+              <a:t>Each for loop progresses through indices, usually to an array or </a:t>
+            </a:r>
+            <a:r>
+              <a:rPr lang="en-US" dirty="0" err="1" smtClean="0"/>
+              <a:t>ArrayList</a:t>
+            </a:r>
+            <a:endParaRPr lang="en-US" dirty="0" smtClean="0"/>
+          </a:p>
+          <a:p>
+            <a:r>
+              <a:rPr lang="en-US" dirty="0" smtClean="0"/>
+              <a:t>Indices of nested loops are independent</a:t>
+            </a:r>
+          </a:p>
+          <a:p>
+            <a:r>
+              <a:rPr lang="en-US" dirty="0" smtClean="0"/>
+              <a:t>for (</a:t>
+            </a:r>
+            <a:r>
+              <a:rPr lang="en-US" dirty="0" err="1" smtClean="0"/>
+              <a:t>int</a:t>
+            </a:r>
+            <a:r>
+              <a:rPr lang="en-US" dirty="0" smtClean="0"/>
+              <a:t> first = 0; first &lt; 5; ++first) {</a:t>
+            </a:r>
+          </a:p>
+          <a:p>
+            <a:pPr lvl="1"/>
+            <a:r>
+              <a:rPr lang="en-US" dirty="0" smtClean="0"/>
+              <a:t>for (</a:t>
+            </a:r>
+            <a:r>
+              <a:rPr lang="en-US" dirty="0" err="1" smtClean="0"/>
+              <a:t>int</a:t>
+            </a:r>
+            <a:r>
+              <a:rPr lang="en-US" dirty="0" smtClean="0"/>
+              <a:t> second = 0; second &lt; 3; ++second)</a:t>
+            </a:r>
+          </a:p>
+          <a:p>
+            <a:pPr lvl="2"/>
+            <a:r>
+              <a:rPr lang="en-US" dirty="0" err="1" smtClean="0"/>
+              <a:t>System.out.print</a:t>
+            </a:r>
+            <a:r>
+              <a:rPr lang="en-US" dirty="0" smtClean="0"/>
+              <a:t>(“*”);</a:t>
+            </a:r>
+          </a:p>
+          <a:p>
+            <a:pPr lvl="1"/>
+            <a:r>
+              <a:rPr lang="en-US" dirty="0" err="1" smtClean="0"/>
+              <a:t>System.out.println</a:t>
+            </a:r>
+            <a:r>
+              <a:rPr lang="en-US" dirty="0" smtClean="0"/>
+              <a:t>();</a:t>
+            </a:r>
+          </a:p>
+          <a:p>
+            <a:r>
+              <a:rPr lang="en-US" dirty="0"/>
+              <a:t>}</a:t>
+            </a:r>
+            <a:endParaRPr lang="en-US" dirty="0" smtClean="0"/>
+          </a:p>
+          <a:p>
+            <a:pPr lvl="2"/>
+            <a:endParaRPr lang="en-US" dirty="0" smtClean="0"/>
+          </a:p>
+        </p:txBody>
+      </p:sp>
+      <p:sp>
+        <p:nvSpPr>
+          <p:cNvPr id="4" name="TextBox 3"/>
+          <p:cNvSpPr txBox="1"/>
+          <p:nvPr/>
+        </p:nvSpPr>
+        <p:spPr>
+          <a:xfrm>
+            <a:off x="8282752" y="2771427"/>
+            <a:ext cx="529562" cy="1477328"/>
+          </a:xfrm>
+          <a:prstGeom prst="rect">
+            <a:avLst/>
+          </a:prstGeom>
+          <a:noFill/>
+        </p:spPr>
+        <p:txBody>
+          <a:bodyPr wrap="none" rtlCol="0">
+            <a:spAutoFit/>
+          </a:bodyPr>
+          <a:lstStyle/>
+          <a:p>
+            <a:r>
+              <a:rPr lang="en-US" dirty="0" smtClean="0"/>
+              <a:t>***</a:t>
+            </a:r>
+          </a:p>
+          <a:p>
+            <a:r>
+              <a:rPr lang="en-US" dirty="0" smtClean="0"/>
+              <a:t>***</a:t>
+            </a:r>
+          </a:p>
+          <a:p>
+            <a:r>
+              <a:rPr lang="en-US" dirty="0" smtClean="0"/>
+              <a:t>***</a:t>
+            </a:r>
+          </a:p>
+          <a:p>
+            <a:r>
+              <a:rPr lang="en-US" dirty="0" smtClean="0"/>
+              <a:t>***</a:t>
+            </a:r>
+          </a:p>
+          <a:p>
+            <a:r>
+              <a:rPr lang="en-US" dirty="0" smtClean="0"/>
+              <a:t>***</a:t>
+            </a:r>
+            <a:endParaRPr lang="en-US" dirty="0"/>
+          </a:p>
+        </p:txBody>
+      </p:sp>
+    </p:spTree>
+    <p:extLst>
+      <p:ext uri="{BB962C8B-B14F-4D97-AF65-F5344CB8AC3E}">
+        <p14:creationId xmlns:p14="http://schemas.microsoft.com/office/powerpoint/2010/main" val="2435386512"/>
+      </p:ext>
+    </p:extLst>
+  </p:cSld>
+  <p:clrMapOvr>
+    <a:masterClrMapping/>
+  </p:clrMapOvr>
+  <p:timing>
+    <p:tnLst>
+      <p:par>
+        <p:cTn xmlns:p14="http://schemas.microsoft.com/office/powerpoint/2010/main" id="1" dur="indefinite" restart="never" nodeType="tmRoot">
+          <p:childTnLst>
+            <p:seq concurrent="1" nextAc="seek">
+              <p:cTn id="2" dur="indefinite" nodeType="mainSeq">
+                <p:childTnLst>
+                  <p:par>
+                    <p:cTn id="3" fill="hold">
+                      <p:stCondLst>
+                        <p:cond delay="indefinite"/>
+                      </p:stCondLst>
+                      <p:childTnLst>
+                        <p:par>
+                          <p:cTn id="4" fill="hold">
+                            <p:stCondLst>
+                              <p:cond delay="0"/>
+                            </p:stCondLst>
+                            <p:childTnLst>
+                              <p:par>
+                                <p:cTn id="5" presetID="1" presetClass="entr" presetSubtype="0" fill="hold" nodeType="clickEffect">
+                                  <p:stCondLst>
+                                    <p:cond delay="0"/>
+                                  </p:stCondLst>
+                                  <p:childTnLst>
+                                    <p:set>
+                                      <p:cBhvr>
+                                        <p:cTn id="6" dur="1" fill="hold">
+                                          <p:stCondLst>
+                                            <p:cond delay="0"/>
+                                          </p:stCondLst>
+                                        </p:cTn>
+                                        <p:tgtEl>
+                                          <p:spTgt spid="3">
+                                            <p:txEl>
+                                              <p:pRg st="1" end="1"/>
+                                            </p:txEl>
+                                          </p:spTgt>
+                                        </p:tgtEl>
+                                        <p:attrNameLst>
+                                          <p:attrName>style.visibility</p:attrName>
+                                        </p:attrNameLst>
+                                      </p:cBhvr>
+                                      <p:to>
+                                        <p:strVal val="visible"/>
+                                      </p:to>
+                                    </p:set>
+                                  </p:childTnLst>
+                                </p:cTn>
+                              </p:par>
+                            </p:childTnLst>
+                          </p:cTn>
+                        </p:par>
+                      </p:childTnLst>
+                    </p:cTn>
+                  </p:par>
+                  <p:par>
+                    <p:cTn id="7" fill="hold">
+                      <p:stCondLst>
+                        <p:cond delay="indefinite"/>
+                      </p:stCondLst>
+                      <p:childTnLst>
+                        <p:par>
+                          <p:cTn id="8" fill="hold">
+                            <p:stCondLst>
+                              <p:cond delay="0"/>
+                            </p:stCondLst>
+                            <p:childTnLst>
+                              <p:par>
+                                <p:cTn id="9" presetID="1" presetClass="entr" presetSubtype="0" fill="hold" nodeType="clickEffect">
+                                  <p:stCondLst>
+                                    <p:cond delay="0"/>
+                                  </p:stCondLst>
+                                  <p:childTnLst>
+                                    <p:set>
+                                      <p:cBhvr>
+                                        <p:cTn id="10" dur="1" fill="hold">
+                                          <p:stCondLst>
+                                            <p:cond delay="0"/>
+                                          </p:stCondLst>
+                                        </p:cTn>
+                                        <p:tgtEl>
+                                          <p:spTgt spid="3">
+                                            <p:txEl>
+                                              <p:pRg st="2" end="2"/>
+                                            </p:txEl>
+                                          </p:spTgt>
+                                        </p:tgtEl>
+                                        <p:attrNameLst>
+                                          <p:attrName>style.visibility</p:attrName>
+                                        </p:attrNameLst>
+                                      </p:cBhvr>
+                                      <p:to>
+                                        <p:strVal val="visible"/>
+                                      </p:to>
+                                    </p:set>
+                                  </p:childTnLst>
+                                </p:cTn>
+                              </p:par>
+                              <p:par>
+                                <p:cTn id="11" presetID="1" presetClass="entr" presetSubtype="0" fill="hold" nodeType="withEffect">
+                                  <p:stCondLst>
+                                    <p:cond delay="0"/>
+                                  </p:stCondLst>
+                                  <p:childTnLst>
+                                    <p:set>
+                                      <p:cBhvr>
+                                        <p:cTn id="12" dur="1" fill="hold">
+                                          <p:stCondLst>
+                                            <p:cond delay="0"/>
+                                          </p:stCondLst>
+                                        </p:cTn>
+                                        <p:tgtEl>
+                                          <p:spTgt spid="3">
+                                            <p:txEl>
+                                              <p:pRg st="3" end="3"/>
+                                            </p:txEl>
+                                          </p:spTgt>
+                                        </p:tgtEl>
+                                        <p:attrNameLst>
+                                          <p:attrName>style.visibility</p:attrName>
+                                        </p:attrNameLst>
+                                      </p:cBhvr>
+                                      <p:to>
+                                        <p:strVal val="visible"/>
+                                      </p:to>
+                                    </p:set>
+                                  </p:childTnLst>
+                                </p:cTn>
+                              </p:par>
+                              <p:par>
+                                <p:cTn id="13" presetID="1" presetClass="entr" presetSubtype="0" fill="hold" nodeType="withEffect">
+                                  <p:stCondLst>
+                                    <p:cond delay="0"/>
+                                  </p:stCondLst>
+                                  <p:childTnLst>
+                                    <p:set>
+                                      <p:cBhvr>
+                                        <p:cTn id="14" dur="1" fill="hold">
+                                          <p:stCondLst>
+                                            <p:cond delay="0"/>
+                                          </p:stCondLst>
+                                        </p:cTn>
+                                        <p:tgtEl>
+                                          <p:spTgt spid="3">
+                                            <p:txEl>
+                                              <p:pRg st="4" end="4"/>
+                                            </p:txEl>
+                                          </p:spTgt>
+                                        </p:tgtEl>
+                                        <p:attrNameLst>
+                                          <p:attrName>style.visibility</p:attrName>
+                                        </p:attrNameLst>
+                                      </p:cBhvr>
+                                      <p:to>
+                                        <p:strVal val="visible"/>
+                                      </p:to>
+                                    </p:set>
+                                  </p:childTnLst>
+                                </p:cTn>
+                              </p:par>
+                              <p:par>
+                                <p:cTn id="15" presetID="1" presetClass="entr" presetSubtype="0" fill="hold" nodeType="withEffect">
+                                  <p:stCondLst>
+                                    <p:cond delay="0"/>
+                                  </p:stCondLst>
+                                  <p:childTnLst>
+                                    <p:set>
+                                      <p:cBhvr>
+                                        <p:cTn id="16" dur="1" fill="hold">
+                                          <p:stCondLst>
+                                            <p:cond delay="0"/>
+                                          </p:stCondLst>
+                                        </p:cTn>
+                                        <p:tgtEl>
+                                          <p:spTgt spid="3">
+                                            <p:txEl>
+                                              <p:pRg st="5" end="5"/>
+                                            </p:txEl>
+                                          </p:spTgt>
+                                        </p:tgtEl>
+                                        <p:attrNameLst>
+                                          <p:attrName>style.visibility</p:attrName>
+                                        </p:attrNameLst>
+                                      </p:cBhvr>
+                                      <p:to>
+                                        <p:strVal val="visible"/>
+                                      </p:to>
+                                    </p:set>
+                                  </p:childTnLst>
+                                </p:cTn>
+                              </p:par>
+                              <p:par>
+                                <p:cTn id="17" presetID="1" presetClass="entr" presetSubtype="0" fill="hold" nodeType="withEffect">
+                                  <p:stCondLst>
+                                    <p:cond delay="0"/>
+                                  </p:stCondLst>
+                                  <p:childTnLst>
+                                    <p:set>
+                                      <p:cBhvr>
+                                        <p:cTn id="18" dur="1" fill="hold">
+                                          <p:stCondLst>
+                                            <p:cond delay="0"/>
+                                          </p:stCondLst>
+                                        </p:cTn>
+                                        <p:tgtEl>
+                                          <p:spTgt spid="3">
+                                            <p:txEl>
+                                              <p:pRg st="6" end="6"/>
+                                            </p:txEl>
+                                          </p:spTgt>
+                                        </p:tgtEl>
+                                        <p:attrNameLst>
+                                          <p:attrName>style.visibility</p:attrName>
+                                        </p:attrNameLst>
+                                      </p:cBhvr>
+                                      <p:to>
+                                        <p:strVal val="visible"/>
+                                      </p:to>
+                                    </p:set>
+                                  </p:childTnLst>
+                                </p:cTn>
+                              </p:par>
+                            </p:childTnLst>
+                          </p:cTn>
+                        </p:par>
+                      </p:childTnLst>
+                    </p:cTn>
+                  </p:par>
+                  <p:par>
+                    <p:cTn id="19" fill="hold">
+                      <p:stCondLst>
+                        <p:cond delay="indefinite"/>
+                      </p:stCondLst>
+                      <p:childTnLst>
+                        <p:par>
+                          <p:cTn id="20" fill="hold">
+                            <p:stCondLst>
+                              <p:cond delay="0"/>
+                            </p:stCondLst>
+                            <p:childTnLst>
+                              <p:par>
+                                <p:cTn id="21" presetID="1" presetClass="entr" presetSubtype="0" fill="hold" grpId="0" nodeType="clickEffect">
+                                  <p:stCondLst>
+                                    <p:cond delay="0"/>
+                                  </p:stCondLst>
+                                  <p:childTnLst>
+                                    <p:set>
+                                      <p:cBhvr>
+                                        <p:cTn id="22" dur="1" fill="hold">
+                                          <p:stCondLst>
+                                            <p:cond delay="0"/>
+                                          </p:stCondLst>
+                                        </p:cTn>
+                                        <p:tgtEl>
+                                          <p:spTgt spid="4"/>
+                                        </p:tgtEl>
+                                        <p:attrNameLst>
+                                          <p:attrName>style.visibility</p:attrName>
+                                        </p:attrNameLst>
+                                      </p:cBhvr>
+                                      <p:to>
+                                        <p:strVal val="visible"/>
+                                      </p:to>
+                                    </p:set>
+                                  </p:childTnLst>
+                                </p:cTn>
+                              </p:par>
+                            </p:childTnLst>
+                          </p:cTn>
+                        </p:par>
+                      </p:childTnLst>
+                    </p:cTn>
+                  </p:par>
+                </p:childTnLst>
+              </p:cTn>
+              <p:prevCondLst>
+                <p:cond evt="onPrev" delay="0">
+                  <p:tgtEl>
+                    <p:sldTgt/>
+                  </p:tgtEl>
+                </p:cond>
+              </p:prevCondLst>
+              <p:nextCondLst>
+                <p:cond evt="onNext" delay="0">
+                  <p:tgtEl>
+                    <p:sldTgt/>
+                  </p:tgtEl>
+                </p:cond>
+              </p:nextCondLst>
+            </p:seq>
+          </p:childTnLst>
+        </p:cTn>
+      </p:par>
+    </p:tnLst>
+    <p:bldLst>
+      <p:bldP spid="4" grpId="0"/>
+    </p:bldLst>
+  </p:timing>
+</p:sld>
+</file>
+
+<file path=ppt/slides/slide4.xml><?xml version="1.0" encoding="utf-8"?>
+<p:sld xmlns:a="http://schemas.openxmlformats.org/drawingml/2006/main" xmlns:r="http://schemas.openxmlformats.org/officeDocument/2006/relationships" xmlns:p="http://schemas.openxmlformats.org/presentationml/2006/main">
+  <p:cSld>
+    <p:spTree>
+      <p:nvGrpSpPr>
+        <p:cNvPr id="1" name=""/>
+        <p:cNvGrpSpPr/>
+        <p:nvPr/>
+      </p:nvGrpSpPr>
+      <p:grpSpPr>
+        <a:xfrm>
+          <a:off x="0" y="0"/>
+          <a:ext cx="0" cy="0"/>
+          <a:chOff x="0" y="0"/>
+          <a:chExt cx="0" cy="0"/>
+        </a:xfrm>
+      </p:grpSpPr>
+      <p:sp>
+        <p:nvSpPr>
+          <p:cNvPr id="2" name="Title 1"/>
+          <p:cNvSpPr>
+            <a:spLocks noGrp="1"/>
+          </p:cNvSpPr>
+          <p:nvPr>
+            <p:ph type="title"/>
+          </p:nvPr>
+        </p:nvSpPr>
+        <p:spPr/>
+        <p:txBody>
+          <a:bodyPr/>
+          <a:lstStyle/>
+          <a:p>
+            <a:r>
+              <a:rPr lang="en-US" dirty="0" smtClean="0"/>
+              <a:t>Triangular Nested Loops</a:t>
+            </a:r>
+            <a:endParaRPr lang="en-US" dirty="0"/>
+          </a:p>
+        </p:txBody>
+      </p:sp>
+      <p:sp>
+        <p:nvSpPr>
+          <p:cNvPr id="3" name="Content Placeholder 2"/>
+          <p:cNvSpPr>
+            <a:spLocks noGrp="1"/>
+          </p:cNvSpPr>
+          <p:nvPr>
+            <p:ph idx="1"/>
+          </p:nvPr>
+        </p:nvSpPr>
+        <p:spPr/>
+        <p:txBody>
+          <a:bodyPr>
+            <a:normAutofit lnSpcReduction="10000"/>
+          </a:bodyPr>
+          <a:lstStyle/>
+          <a:p>
+            <a:r>
+              <a:rPr lang="en-US" dirty="0" smtClean="0"/>
+              <a:t>Index of inner loop depends on the outer one</a:t>
+            </a:r>
+          </a:p>
+          <a:p>
+            <a:r>
+              <a:rPr lang="en-US" dirty="0"/>
+              <a:t>for (</a:t>
+            </a:r>
+            <a:r>
+              <a:rPr lang="en-US" dirty="0" err="1"/>
+              <a:t>int</a:t>
+            </a:r>
+            <a:r>
+              <a:rPr lang="en-US" dirty="0"/>
+              <a:t> first = 0; first &lt; 5</a:t>
+            </a:r>
+            <a:r>
+              <a:rPr lang="en-US" dirty="0" smtClean="0"/>
+              <a:t>; </a:t>
+            </a:r>
+            <a:r>
+              <a:rPr lang="en-US" dirty="0"/>
+              <a:t>++first) {</a:t>
+            </a:r>
+          </a:p>
+          <a:p>
+            <a:pPr lvl="1"/>
+            <a:r>
+              <a:rPr lang="en-US" dirty="0"/>
+              <a:t>for (</a:t>
+            </a:r>
+            <a:r>
+              <a:rPr lang="en-US" dirty="0" err="1"/>
+              <a:t>int</a:t>
+            </a:r>
+            <a:r>
+              <a:rPr lang="en-US" dirty="0"/>
+              <a:t> second = </a:t>
+            </a:r>
+            <a:r>
+              <a:rPr lang="en-US" dirty="0" smtClean="0"/>
+              <a:t>first; </a:t>
+            </a:r>
+            <a:r>
+              <a:rPr lang="en-US" dirty="0"/>
+              <a:t>second &lt; </a:t>
+            </a:r>
+            <a:r>
+              <a:rPr lang="en-US" dirty="0" smtClean="0"/>
+              <a:t>5; </a:t>
+            </a:r>
+            <a:r>
+              <a:rPr lang="en-US" dirty="0"/>
+              <a:t>++second)</a:t>
+            </a:r>
+          </a:p>
+          <a:p>
+            <a:pPr lvl="2"/>
+            <a:r>
+              <a:rPr lang="en-US" dirty="0" err="1"/>
+              <a:t>System.out.print</a:t>
+            </a:r>
+            <a:r>
+              <a:rPr lang="en-US" dirty="0"/>
+              <a:t>(“*”);</a:t>
+            </a:r>
+          </a:p>
+          <a:p>
+            <a:pPr lvl="1"/>
+            <a:r>
+              <a:rPr lang="en-US" dirty="0" err="1"/>
+              <a:t>System.out.println</a:t>
+            </a:r>
+            <a:r>
+              <a:rPr lang="en-US" dirty="0"/>
+              <a:t>();</a:t>
+            </a:r>
+          </a:p>
+          <a:p>
+            <a:r>
+              <a:rPr lang="en-US" dirty="0"/>
+              <a:t>}</a:t>
+            </a:r>
+          </a:p>
+          <a:p>
+            <a:endParaRPr lang="en-US" dirty="0" smtClean="0"/>
+          </a:p>
+          <a:p>
+            <a:endParaRPr lang="en-US" dirty="0"/>
+          </a:p>
+        </p:txBody>
+      </p:sp>
+      <p:sp>
+        <p:nvSpPr>
+          <p:cNvPr id="5" name="TextBox 4"/>
+          <p:cNvSpPr txBox="1"/>
+          <p:nvPr/>
+        </p:nvSpPr>
+        <p:spPr>
+          <a:xfrm>
+            <a:off x="8119449" y="3175033"/>
+            <a:ext cx="759493" cy="1477328"/>
+          </a:xfrm>
+          <a:prstGeom prst="rect">
+            <a:avLst/>
+          </a:prstGeom>
+          <a:noFill/>
+        </p:spPr>
+        <p:txBody>
+          <a:bodyPr wrap="none" rtlCol="0">
+            <a:spAutoFit/>
+          </a:bodyPr>
+          <a:lstStyle/>
+          <a:p>
+            <a:r>
+              <a:rPr lang="en-US" dirty="0" smtClean="0"/>
+              <a:t>*****</a:t>
+            </a:r>
+          </a:p>
+          <a:p>
+            <a:r>
+              <a:rPr lang="en-US" dirty="0" smtClean="0"/>
+              <a:t>****</a:t>
+            </a:r>
+          </a:p>
+          <a:p>
+            <a:r>
+              <a:rPr lang="en-US" dirty="0" smtClean="0"/>
+              <a:t>***</a:t>
+            </a:r>
+          </a:p>
+          <a:p>
+            <a:r>
+              <a:rPr lang="en-US" dirty="0" smtClean="0"/>
+              <a:t>**</a:t>
+            </a:r>
+          </a:p>
+          <a:p>
+            <a:r>
+              <a:rPr lang="en-US" dirty="0"/>
+              <a:t>*</a:t>
+            </a:r>
+          </a:p>
+        </p:txBody>
+      </p:sp>
+    </p:spTree>
+    <p:extLst>
+      <p:ext uri="{BB962C8B-B14F-4D97-AF65-F5344CB8AC3E}">
+        <p14:creationId xmlns:p14="http://schemas.microsoft.com/office/powerpoint/2010/main" val="4146033469"/>
+      </p:ext>
+    </p:extLst>
+  </p:cSld>
+  <p:clrMapOvr>
+    <a:masterClrMapping/>
+  </p:clrMapOvr>
+  <p:timing>
+    <p:tnLst>
+      <p:par>
+        <p:cTn xmlns:p14="http://schemas.microsoft.com/office/powerpoint/2010/main" id="1" dur="indefinite" restart="never" nodeType="tmRoot">
+          <p:childTnLst>
+            <p:seq concurrent="1" nextAc="seek">
+              <p:cTn id="2" dur="indefinite" nodeType="mainSeq">
+                <p:childTnLst>
+                  <p:par>
+                    <p:cTn id="3" fill="hold">
+                      <p:stCondLst>
+                        <p:cond delay="indefinite"/>
+                      </p:stCondLst>
+                      <p:childTnLst>
+                        <p:par>
+                          <p:cTn id="4" fill="hold">
+                            <p:stCondLst>
+                              <p:cond delay="0"/>
+                            </p:stCondLst>
+                            <p:childTnLst>
+                              <p:par>
+                                <p:cTn id="5" presetID="1" presetClass="entr" presetSubtype="0" fill="hold" nodeType="clickEffect">
+                                  <p:stCondLst>
+                                    <p:cond delay="0"/>
+                                  </p:stCondLst>
+                                  <p:childTnLst>
+                                    <p:set>
+                                      <p:cBhvr>
+                                        <p:cTn id="6" dur="1" fill="hold">
+                                          <p:stCondLst>
+                                            <p:cond delay="0"/>
+                                          </p:stCondLst>
+                                        </p:cTn>
+                                        <p:tgtEl>
+                                          <p:spTgt spid="3">
+                                            <p:txEl>
+                                              <p:pRg st="0" end="0"/>
+                                            </p:txEl>
+                                          </p:spTgt>
+                                        </p:tgtEl>
+                                        <p:attrNameLst>
+                                          <p:attrName>style.visibility</p:attrName>
+                                        </p:attrNameLst>
+                                      </p:cBhvr>
+                                      <p:to>
+                                        <p:strVal val="visible"/>
+                                      </p:to>
+                                    </p:set>
+                                  </p:childTnLst>
+                                </p:cTn>
+                              </p:par>
+                            </p:childTnLst>
+                          </p:cTn>
+                        </p:par>
+                      </p:childTnLst>
+                    </p:cTn>
+                  </p:par>
+                  <p:par>
+                    <p:cTn id="7" fill="hold">
+                      <p:stCondLst>
+                        <p:cond delay="indefinite"/>
+                      </p:stCondLst>
+                      <p:childTnLst>
+                        <p:par>
+                          <p:cTn id="8" fill="hold">
+                            <p:stCondLst>
+                              <p:cond delay="0"/>
+                            </p:stCondLst>
+                            <p:childTnLst>
+                              <p:par>
+                                <p:cTn id="9" presetID="1" presetClass="entr" presetSubtype="0" fill="hold" nodeType="clickEffect">
+                                  <p:stCondLst>
+                                    <p:cond delay="0"/>
+                                  </p:stCondLst>
+                                  <p:childTnLst>
+                                    <p:set>
+                                      <p:cBhvr>
+                                        <p:cTn id="10" dur="1" fill="hold">
+                                          <p:stCondLst>
+                                            <p:cond delay="0"/>
+                                          </p:stCondLst>
+                                        </p:cTn>
+                                        <p:tgtEl>
+                                          <p:spTgt spid="3">
+                                            <p:txEl>
+                                              <p:pRg st="1" end="1"/>
+                                            </p:txEl>
+                                          </p:spTgt>
+                                        </p:tgtEl>
+                                        <p:attrNameLst>
+                                          <p:attrName>style.visibility</p:attrName>
+                                        </p:attrNameLst>
+                                      </p:cBhvr>
+                                      <p:to>
+                                        <p:strVal val="visible"/>
+                                      </p:to>
+                                    </p:set>
+                                  </p:childTnLst>
+                                </p:cTn>
+                              </p:par>
+                              <p:par>
+                                <p:cTn id="11" presetID="1" presetClass="entr" presetSubtype="0" fill="hold" nodeType="withEffect">
+                                  <p:stCondLst>
+                                    <p:cond delay="0"/>
+                                  </p:stCondLst>
+                                  <p:childTnLst>
+                                    <p:set>
+                                      <p:cBhvr>
+                                        <p:cTn id="12" dur="1" fill="hold">
+                                          <p:stCondLst>
+                                            <p:cond delay="0"/>
+                                          </p:stCondLst>
+                                        </p:cTn>
+                                        <p:tgtEl>
+                                          <p:spTgt spid="3">
+                                            <p:txEl>
+                                              <p:pRg st="2" end="2"/>
+                                            </p:txEl>
+                                          </p:spTgt>
+                                        </p:tgtEl>
+                                        <p:attrNameLst>
+                                          <p:attrName>style.visibility</p:attrName>
+                                        </p:attrNameLst>
+                                      </p:cBhvr>
+                                      <p:to>
+                                        <p:strVal val="visible"/>
+                                      </p:to>
+                                    </p:set>
+                                  </p:childTnLst>
+                                </p:cTn>
+                              </p:par>
+                              <p:par>
+                                <p:cTn id="13" presetID="1" presetClass="entr" presetSubtype="0" fill="hold" nodeType="withEffect">
+                                  <p:stCondLst>
+                                    <p:cond delay="0"/>
+                                  </p:stCondLst>
+                                  <p:childTnLst>
+                                    <p:set>
+                                      <p:cBhvr>
+                                        <p:cTn id="14" dur="1" fill="hold">
+                                          <p:stCondLst>
+                                            <p:cond delay="0"/>
+                                          </p:stCondLst>
+                                        </p:cTn>
+                                        <p:tgtEl>
+                                          <p:spTgt spid="3">
+                                            <p:txEl>
+                                              <p:pRg st="3" end="3"/>
+                                            </p:txEl>
+                                          </p:spTgt>
+                                        </p:tgtEl>
+                                        <p:attrNameLst>
+                                          <p:attrName>style.visibility</p:attrName>
+                                        </p:attrNameLst>
+                                      </p:cBhvr>
+                                      <p:to>
+                                        <p:strVal val="visible"/>
+                                      </p:to>
+                                    </p:set>
+                                  </p:childTnLst>
+                                </p:cTn>
+                              </p:par>
+                              <p:par>
+                                <p:cTn id="15" presetID="1" presetClass="entr" presetSubtype="0" fill="hold" nodeType="withEffect">
+                                  <p:stCondLst>
+                                    <p:cond delay="0"/>
+                                  </p:stCondLst>
+                                  <p:childTnLst>
+                                    <p:set>
+                                      <p:cBhvr>
+                                        <p:cTn id="16" dur="1" fill="hold">
+                                          <p:stCondLst>
+                                            <p:cond delay="0"/>
+                                          </p:stCondLst>
+                                        </p:cTn>
+                                        <p:tgtEl>
+                                          <p:spTgt spid="3">
+                                            <p:txEl>
+                                              <p:pRg st="4" end="4"/>
+                                            </p:txEl>
+                                          </p:spTgt>
+                                        </p:tgtEl>
+                                        <p:attrNameLst>
+                                          <p:attrName>style.visibility</p:attrName>
+                                        </p:attrNameLst>
+                                      </p:cBhvr>
+                                      <p:to>
+                                        <p:strVal val="visible"/>
+                                      </p:to>
+                                    </p:set>
+                                  </p:childTnLst>
+                                </p:cTn>
+                              </p:par>
+                              <p:par>
+                                <p:cTn id="17" presetID="1" presetClass="entr" presetSubtype="0" fill="hold" nodeType="withEffect">
+                                  <p:stCondLst>
+                                    <p:cond delay="0"/>
+                                  </p:stCondLst>
+                                  <p:childTnLst>
+                                    <p:set>
+                                      <p:cBhvr>
+                                        <p:cTn id="18" dur="1" fill="hold">
+                                          <p:stCondLst>
+                                            <p:cond delay="0"/>
+                                          </p:stCondLst>
+                                        </p:cTn>
+                                        <p:tgtEl>
+                                          <p:spTgt spid="3">
+                                            <p:txEl>
+                                              <p:pRg st="5" end="5"/>
+                                            </p:txEl>
+                                          </p:spTgt>
+                                        </p:tgtEl>
+                                        <p:attrNameLst>
+                                          <p:attrName>style.visibility</p:attrName>
+                                        </p:attrNameLst>
+                                      </p:cBhvr>
+                                      <p:to>
+                                        <p:strVal val="visible"/>
+                                      </p:to>
+                                    </p:set>
+                                  </p:childTnLst>
+                                </p:cTn>
+                              </p:par>
+                            </p:childTnLst>
+                          </p:cTn>
+                        </p:par>
+                      </p:childTnLst>
+                    </p:cTn>
+                  </p:par>
+                  <p:par>
+                    <p:cTn id="19" fill="hold">
+                      <p:stCondLst>
+                        <p:cond delay="indefinite"/>
+                      </p:stCondLst>
+                      <p:childTnLst>
+                        <p:par>
+                          <p:cTn id="20" fill="hold">
+                            <p:stCondLst>
+                              <p:cond delay="0"/>
+                            </p:stCondLst>
+                            <p:childTnLst>
+                              <p:par>
+                                <p:cTn id="21" presetID="1" presetClass="entr" presetSubtype="0" fill="hold" grpId="0" nodeType="clickEffect">
+                                  <p:stCondLst>
+                                    <p:cond delay="0"/>
+                                  </p:stCondLst>
+                                  <p:childTnLst>
+                                    <p:set>
+                                      <p:cBhvr>
+                                        <p:cTn id="22" dur="1" fill="hold">
+                                          <p:stCondLst>
+                                            <p:cond delay="0"/>
+                                          </p:stCondLst>
+                                        </p:cTn>
+                                        <p:tgtEl>
+                                          <p:spTgt spid="5"/>
+                                        </p:tgtEl>
+                                        <p:attrNameLst>
+                                          <p:attrName>style.visibility</p:attrName>
+                                        </p:attrNameLst>
+                                      </p:cBhvr>
+                                      <p:to>
+                                        <p:strVal val="visible"/>
+                                      </p:to>
+                                    </p:set>
+                                  </p:childTnLst>
+                                </p:cTn>
+                              </p:par>
+                            </p:childTnLst>
+                          </p:cTn>
+                        </p:par>
+                      </p:childTnLst>
+                    </p:cTn>
+                  </p:par>
+                </p:childTnLst>
+              </p:cTn>
+              <p:prevCondLst>
+                <p:cond evt="onPrev" delay="0">
+                  <p:tgtEl>
+                    <p:sldTgt/>
+                  </p:tgtEl>
+                </p:cond>
+              </p:prevCondLst>
+              <p:nextCondLst>
+                <p:cond evt="onNext" delay="0">
+                  <p:tgtEl>
+                    <p:sldTgt/>
+                  </p:tgtEl>
+                </p:cond>
+              </p:nextCondLst>
+            </p:seq>
+          </p:childTnLst>
+        </p:cTn>
+      </p:par>
+    </p:tnLst>
+    <p:bldLst>
+      <p:bldP spid="5" grpId="0"/>
+    </p:bldLst>
+  </p:timing>
+</p:sld>
+</file>
+
+<file path=ppt/slides/slide5.xml><?xml version="1.0" encoding="utf-8"?>
+<p:sld xmlns:a="http://schemas.openxmlformats.org/drawingml/2006/main" xmlns:r="http://schemas.openxmlformats.org/officeDocument/2006/relationships" xmlns:p="http://schemas.openxmlformats.org/presentationml/2006/main">
+  <p:cSld>
+    <p:spTree>
+      <p:nvGrpSpPr>
+        <p:cNvPr id="1" name=""/>
+        <p:cNvGrpSpPr/>
+        <p:nvPr/>
+      </p:nvGrpSpPr>
+      <p:grpSpPr>
+        <a:xfrm>
+          <a:off x="0" y="0"/>
+          <a:ext cx="0" cy="0"/>
+          <a:chOff x="0" y="0"/>
+          <a:chExt cx="0" cy="0"/>
+        </a:xfrm>
+      </p:grpSpPr>
+      <p:sp>
+        <p:nvSpPr>
+          <p:cNvPr id="2" name="Title 1"/>
+          <p:cNvSpPr>
+            <a:spLocks noGrp="1"/>
+          </p:cNvSpPr>
+          <p:nvPr>
+            <p:ph type="title"/>
+          </p:nvPr>
+        </p:nvSpPr>
+        <p:spPr/>
+        <p:txBody>
+          <a:bodyPr/>
+          <a:lstStyle/>
+          <a:p>
+            <a:r>
+              <a:rPr lang="en-US" dirty="0" smtClean="0"/>
+              <a:t>Example: disjoint</a:t>
+            </a:r>
+            <a:endParaRPr lang="en-US" dirty="0"/>
+          </a:p>
+        </p:txBody>
+      </p:sp>
+      <p:sp>
+        <p:nvSpPr>
+          <p:cNvPr id="3" name="Content Placeholder 2"/>
+          <p:cNvSpPr>
+            <a:spLocks noGrp="1"/>
+          </p:cNvSpPr>
+          <p:nvPr>
+            <p:ph idx="1"/>
+          </p:nvPr>
+        </p:nvSpPr>
+        <p:spPr/>
+        <p:txBody>
+          <a:bodyPr>
+            <a:normAutofit fontScale="85000" lnSpcReduction="20000"/>
+          </a:bodyPr>
+          <a:lstStyle/>
+          <a:p>
+            <a:r>
+              <a:rPr lang="en-US" dirty="0" smtClean="0"/>
+              <a:t>Array version of method in Collections class</a:t>
+            </a:r>
+          </a:p>
+          <a:p>
+            <a:r>
+              <a:rPr lang="en-US" dirty="0" err="1" smtClean="0"/>
+              <a:t>boolean</a:t>
+            </a:r>
+            <a:r>
+              <a:rPr lang="en-US" dirty="0" smtClean="0"/>
+              <a:t> disjoint(</a:t>
+            </a:r>
+            <a:r>
+              <a:rPr lang="en-US" dirty="0" err="1" smtClean="0"/>
+              <a:t>int</a:t>
+            </a:r>
+            <a:r>
+              <a:rPr lang="en-US" dirty="0" smtClean="0"/>
+              <a:t>[] first, </a:t>
+            </a:r>
+            <a:r>
+              <a:rPr lang="en-US" dirty="0" err="1" smtClean="0"/>
+              <a:t>int</a:t>
+            </a:r>
+            <a:r>
+              <a:rPr lang="en-US" dirty="0" smtClean="0"/>
+              <a:t>[] second)</a:t>
+            </a:r>
+          </a:p>
+          <a:p>
+            <a:r>
+              <a:rPr lang="en-US" dirty="0" smtClean="0"/>
+              <a:t>Example:</a:t>
+            </a:r>
+          </a:p>
+          <a:p>
+            <a:pPr lvl="1"/>
+            <a:r>
+              <a:rPr lang="en-US" dirty="0" err="1" smtClean="0"/>
+              <a:t>int</a:t>
+            </a:r>
+            <a:r>
+              <a:rPr lang="en-US" dirty="0" smtClean="0"/>
+              <a:t>[] first = {9, 1, 5, 7, 3, 9, 9};</a:t>
+            </a:r>
+          </a:p>
+          <a:p>
+            <a:pPr lvl="1"/>
+            <a:r>
+              <a:rPr lang="en-US" dirty="0" err="1" smtClean="0"/>
+              <a:t>int</a:t>
+            </a:r>
+            <a:r>
+              <a:rPr lang="en-US" dirty="0" smtClean="0"/>
+              <a:t>[] second = {2, 4, 9};</a:t>
+            </a:r>
+          </a:p>
+          <a:p>
+            <a:pPr lvl="2"/>
+            <a:r>
+              <a:rPr lang="en-US" dirty="0" smtClean="0"/>
+              <a:t>Returns false</a:t>
+            </a:r>
+          </a:p>
+          <a:p>
+            <a:pPr lvl="1"/>
+            <a:r>
+              <a:rPr lang="en-US" dirty="0" err="1" smtClean="0"/>
+              <a:t>int</a:t>
+            </a:r>
+            <a:r>
+              <a:rPr lang="en-US" dirty="0" smtClean="0"/>
+              <a:t>[] second = {2, 4, 6} </a:t>
+            </a:r>
+          </a:p>
+          <a:p>
+            <a:pPr lvl="2"/>
+            <a:r>
+              <a:rPr lang="en-US" dirty="0" smtClean="0"/>
+              <a:t>Returns true</a:t>
+            </a:r>
+          </a:p>
+          <a:p>
+            <a:r>
+              <a:rPr lang="en-US" dirty="0" smtClean="0"/>
+              <a:t>Perfect size arrays</a:t>
+            </a:r>
+          </a:p>
+        </p:txBody>
+      </p:sp>
+    </p:spTree>
+    <p:extLst>
+      <p:ext uri="{BB962C8B-B14F-4D97-AF65-F5344CB8AC3E}">
+        <p14:creationId xmlns:p14="http://schemas.microsoft.com/office/powerpoint/2010/main" val="919079431"/>
+      </p:ext>
+    </p:extLst>
+  </p:cSld>
+  <p:clrMapOvr>
+    <a:masterClrMapping/>
+  </p:clrMapOvr>
+  <p:timing>
+    <p:tnLst>
+      <p:par>
+        <p:cTn xmlns:p14="http://schemas.microsoft.com/office/powerpoint/2010/main" id="1" dur="indefinite" restart="never" nodeType="tmRoot">
+          <p:childTnLst>
+            <p:seq concurrent="1" nextAc="seek">
+              <p:cTn id="2" dur="indefinite" nodeType="mainSeq">
+                <p:childTnLst>
+                  <p:par>
+                    <p:cTn id="3" fill="hold">
+                      <p:stCondLst>
+                        <p:cond delay="indefinite"/>
+                      </p:stCondLst>
+                      <p:childTnLst>
+                        <p:par>
+                          <p:cTn id="4" fill="hold">
+                            <p:stCondLst>
+                              <p:cond delay="0"/>
+                            </p:stCondLst>
+                            <p:childTnLst>
+                              <p:par>
+                                <p:cTn id="5" presetID="1" presetClass="entr" presetSubtype="0" fill="hold" nodeType="clickEffect">
+                                  <p:stCondLst>
+                                    <p:cond delay="0"/>
+                                  </p:stCondLst>
+                                  <p:childTnLst>
+                                    <p:set>
+                                      <p:cBhvr>
+                                        <p:cTn id="6" dur="1" fill="hold">
+                                          <p:stCondLst>
+                                            <p:cond delay="0"/>
+                                          </p:stCondLst>
+                                        </p:cTn>
+                                        <p:tgtEl>
+                                          <p:spTgt spid="3">
+                                            <p:txEl>
+                                              <p:pRg st="0" end="0"/>
+                                            </p:txEl>
+                                          </p:spTgt>
+                                        </p:tgtEl>
+                                        <p:attrNameLst>
+                                          <p:attrName>style.visibility</p:attrName>
+                                        </p:attrNameLst>
+                                      </p:cBhvr>
+                                      <p:to>
+                                        <p:strVal val="visible"/>
+                                      </p:to>
+                                    </p:set>
+                                  </p:childTnLst>
+                                </p:cTn>
+                              </p:par>
+                            </p:childTnLst>
+                          </p:cTn>
+                        </p:par>
+                      </p:childTnLst>
+                    </p:cTn>
+                  </p:par>
+                  <p:par>
+                    <p:cTn id="7" fill="hold">
+                      <p:stCondLst>
+                        <p:cond delay="indefinite"/>
+                      </p:stCondLst>
+                      <p:childTnLst>
+                        <p:par>
+                          <p:cTn id="8" fill="hold">
+                            <p:stCondLst>
+                              <p:cond delay="0"/>
+                            </p:stCondLst>
+                            <p:childTnLst>
+                              <p:par>
+                                <p:cTn id="9" presetID="1" presetClass="entr" presetSubtype="0" fill="hold" nodeType="clickEffect">
+                                  <p:stCondLst>
+                                    <p:cond delay="0"/>
+                                  </p:stCondLst>
+                                  <p:childTnLst>
+                                    <p:set>
+                                      <p:cBhvr>
+                                        <p:cTn id="10" dur="1" fill="hold">
+                                          <p:stCondLst>
+                                            <p:cond delay="0"/>
+                                          </p:stCondLst>
+                                        </p:cTn>
+                                        <p:tgtEl>
+                                          <p:spTgt spid="3">
+                                            <p:txEl>
+                                              <p:pRg st="1" end="1"/>
+                                            </p:txEl>
+                                          </p:spTgt>
+                                        </p:tgtEl>
+                                        <p:attrNameLst>
+                                          <p:attrName>style.visibility</p:attrName>
+                                        </p:attrNameLst>
+                                      </p:cBhvr>
+                                      <p:to>
+                                        <p:strVal val="visible"/>
+                                      </p:to>
+                                    </p:set>
+                                  </p:childTnLst>
+                                </p:cTn>
+                              </p:par>
+                            </p:childTnLst>
+                          </p:cTn>
+                        </p:par>
+                      </p:childTnLst>
+                    </p:cTn>
+                  </p:par>
+                  <p:par>
+                    <p:cTn id="11" fill="hold">
+                      <p:stCondLst>
+                        <p:cond delay="indefinite"/>
+                      </p:stCondLst>
+                      <p:childTnLst>
+                        <p:par>
+                          <p:cTn id="12" fill="hold">
+                            <p:stCondLst>
+                              <p:cond delay="0"/>
+                            </p:stCondLst>
+                            <p:childTnLst>
+                              <p:par>
+                                <p:cTn id="13" presetID="1" presetClass="entr" presetSubtype="0" fill="hold" nodeType="clickEffect">
+                                  <p:stCondLst>
+                                    <p:cond delay="0"/>
+                                  </p:stCondLst>
+                                  <p:childTnLst>
+                                    <p:set>
+                                      <p:cBhvr>
+                                        <p:cTn id="14" dur="1" fill="hold">
+                                          <p:stCondLst>
+                                            <p:cond delay="0"/>
+                                          </p:stCondLst>
+                                        </p:cTn>
+                                        <p:tgtEl>
+                                          <p:spTgt spid="3">
+                                            <p:txEl>
+                                              <p:pRg st="2" end="2"/>
+                                            </p:txEl>
+                                          </p:spTgt>
+                                        </p:tgtEl>
+                                        <p:attrNameLst>
+                                          <p:attrName>style.visibility</p:attrName>
+                                        </p:attrNameLst>
+                                      </p:cBhvr>
+                                      <p:to>
+                                        <p:strVal val="visible"/>
+                                      </p:to>
+                                    </p:set>
+                                  </p:childTnLst>
+                                </p:cTn>
+                              </p:par>
+                              <p:par>
+                                <p:cTn id="15" presetID="1" presetClass="entr" presetSubtype="0" fill="hold" nodeType="withEffect">
+                                  <p:stCondLst>
+                                    <p:cond delay="0"/>
+                                  </p:stCondLst>
+                                  <p:childTnLst>
+                                    <p:set>
+                                      <p:cBhvr>
+                                        <p:cTn id="16" dur="1" fill="hold">
+                                          <p:stCondLst>
+                                            <p:cond delay="0"/>
+                                          </p:stCondLst>
+                                        </p:cTn>
+                                        <p:tgtEl>
+                                          <p:spTgt spid="3">
+                                            <p:txEl>
+                                              <p:pRg st="3" end="3"/>
+                                            </p:txEl>
+                                          </p:spTgt>
+                                        </p:tgtEl>
+                                        <p:attrNameLst>
+                                          <p:attrName>style.visibility</p:attrName>
+                                        </p:attrNameLst>
+                                      </p:cBhvr>
+                                      <p:to>
+                                        <p:strVal val="visible"/>
+                                      </p:to>
+                                    </p:set>
+                                  </p:childTnLst>
+                                </p:cTn>
+                              </p:par>
+                            </p:childTnLst>
+                          </p:cTn>
+                        </p:par>
+                      </p:childTnLst>
+                    </p:cTn>
+                  </p:par>
+                  <p:par>
+                    <p:cTn id="17" fill="hold">
+                      <p:stCondLst>
+                        <p:cond delay="indefinite"/>
+                      </p:stCondLst>
+                      <p:childTnLst>
+                        <p:par>
+                          <p:cTn id="18" fill="hold">
+                            <p:stCondLst>
+                              <p:cond delay="0"/>
+                            </p:stCondLst>
+                            <p:childTnLst>
+                              <p:par>
+                                <p:cTn id="19" presetID="1" presetClass="entr" presetSubtype="0" fill="hold" nodeType="clickEffect">
+                                  <p:stCondLst>
+                                    <p:cond delay="0"/>
+                                  </p:stCondLst>
+                                  <p:childTnLst>
+                                    <p:set>
+                                      <p:cBhvr>
+                                        <p:cTn id="20" dur="1" fill="hold">
+                                          <p:stCondLst>
+                                            <p:cond delay="0"/>
+                                          </p:stCondLst>
+                                        </p:cTn>
+                                        <p:tgtEl>
+                                          <p:spTgt spid="3">
+                                            <p:txEl>
+                                              <p:pRg st="4" end="4"/>
+                                            </p:txEl>
+                                          </p:spTgt>
+                                        </p:tgtEl>
+                                        <p:attrNameLst>
+                                          <p:attrName>style.visibility</p:attrName>
+                                        </p:attrNameLst>
+                                      </p:cBhvr>
+                                      <p:to>
+                                        <p:strVal val="visible"/>
+                                      </p:to>
+                                    </p:set>
+                                  </p:childTnLst>
+                                </p:cTn>
+                              </p:par>
+                            </p:childTnLst>
+                          </p:cTn>
+                        </p:par>
+                      </p:childTnLst>
+                    </p:cTn>
+                  </p:par>
+                  <p:par>
+                    <p:cTn id="21" fill="hold">
+                      <p:stCondLst>
+                        <p:cond delay="indefinite"/>
+                      </p:stCondLst>
+                      <p:childTnLst>
+                        <p:par>
+                          <p:cTn id="22" fill="hold">
+                            <p:stCondLst>
+                              <p:cond delay="0"/>
+                            </p:stCondLst>
+                            <p:childTnLst>
+                              <p:par>
+                                <p:cTn id="23" presetID="1" presetClass="entr" presetSubtype="0" fill="hold" nodeType="clickEffect">
+                                  <p:stCondLst>
+                                    <p:cond delay="0"/>
+                                  </p:stCondLst>
+                                  <p:childTnLst>
+                                    <p:set>
+                                      <p:cBhvr>
+                                        <p:cTn id="24" dur="1" fill="hold">
+                                          <p:stCondLst>
+                                            <p:cond delay="0"/>
+                                          </p:stCondLst>
+                                        </p:cTn>
+                                        <p:tgtEl>
+                                          <p:spTgt spid="3">
+                                            <p:txEl>
+                                              <p:pRg st="5" end="5"/>
+                                            </p:txEl>
+                                          </p:spTgt>
+                                        </p:tgtEl>
+                                        <p:attrNameLst>
+                                          <p:attrName>style.visibility</p:attrName>
+                                        </p:attrNameLst>
+                                      </p:cBhvr>
+                                      <p:to>
+                                        <p:strVal val="visible"/>
+                                      </p:to>
+                                    </p:set>
+                                  </p:childTnLst>
+                                </p:cTn>
+                              </p:par>
+                            </p:childTnLst>
+                          </p:cTn>
+                        </p:par>
+                      </p:childTnLst>
+                    </p:cTn>
+                  </p:par>
+                  <p:par>
+                    <p:cTn id="25" fill="hold">
+                      <p:stCondLst>
+                        <p:cond delay="indefinite"/>
+                      </p:stCondLst>
+                      <p:childTnLst>
+                        <p:par>
+                          <p:cTn id="26" fill="hold">
+                            <p:stCondLst>
+                              <p:cond delay="0"/>
+                            </p:stCondLst>
+                            <p:childTnLst>
+                              <p:par>
+                                <p:cTn id="27" presetID="1" presetClass="entr" presetSubtype="0" fill="hold" nodeType="clickEffect">
+                                  <p:stCondLst>
+                                    <p:cond delay="0"/>
+                                  </p:stCondLst>
+                                  <p:childTnLst>
+                                    <p:set>
+                                      <p:cBhvr>
+                                        <p:cTn id="28" dur="1" fill="hold">
+                                          <p:stCondLst>
+                                            <p:cond delay="0"/>
+                                          </p:stCondLst>
+                                        </p:cTn>
+                                        <p:tgtEl>
+                                          <p:spTgt spid="3">
+                                            <p:txEl>
+                                              <p:pRg st="6" end="6"/>
+                                            </p:txEl>
+                                          </p:spTgt>
+                                        </p:tgtEl>
+                                        <p:attrNameLst>
+                                          <p:attrName>style.visibility</p:attrName>
+                                        </p:attrNameLst>
+                                      </p:cBhvr>
+                                      <p:to>
+                                        <p:strVal val="visible"/>
+                                      </p:to>
+                                    </p:set>
+                                  </p:childTnLst>
+                                </p:cTn>
+                              </p:par>
+                            </p:childTnLst>
+                          </p:cTn>
+                        </p:par>
+                      </p:childTnLst>
+                    </p:cTn>
+                  </p:par>
+                  <p:par>
+                    <p:cTn id="29" fill="hold">
+                      <p:stCondLst>
+                        <p:cond delay="indefinite"/>
+                      </p:stCondLst>
+                      <p:childTnLst>
+                        <p:par>
+                          <p:cTn id="30" fill="hold">
+                            <p:stCondLst>
+                              <p:cond delay="0"/>
+                            </p:stCondLst>
+                            <p:childTnLst>
+                              <p:par>
+                                <p:cTn id="31" presetID="1" presetClass="entr" presetSubtype="0" fill="hold" nodeType="clickEffect">
+                                  <p:stCondLst>
+                                    <p:cond delay="0"/>
+                                  </p:stCondLst>
+                                  <p:childTnLst>
+                                    <p:set>
+                                      <p:cBhvr>
+                                        <p:cTn id="32" dur="1" fill="hold">
+                                          <p:stCondLst>
+                                            <p:cond delay="0"/>
+                                          </p:stCondLst>
+                                        </p:cTn>
+                                        <p:tgtEl>
+                                          <p:spTgt spid="3">
+                                            <p:txEl>
+                                              <p:pRg st="7" end="7"/>
+                                            </p:txEl>
+                                          </p:spTgt>
+                                        </p:tgtEl>
+                                        <p:attrNameLst>
+                                          <p:attrName>style.visibility</p:attrName>
+                                        </p:attrNameLst>
+                                      </p:cBhvr>
+                                      <p:to>
+                                        <p:strVal val="visible"/>
+                                      </p:to>
+                                    </p:set>
+                                  </p:childTnLst>
+                                </p:cTn>
+                              </p:par>
+                            </p:childTnLst>
+                          </p:cTn>
+                        </p:par>
+                      </p:childTnLst>
+                    </p:cTn>
+                  </p:par>
+                  <p:par>
+                    <p:cTn id="33" fill="hold">
+                      <p:stCondLst>
+                        <p:cond delay="indefinite"/>
+                      </p:stCondLst>
+                      <p:childTnLst>
+                        <p:par>
+                          <p:cTn id="34" fill="hold">
+                            <p:stCondLst>
+                              <p:cond delay="0"/>
+                            </p:stCondLst>
+                            <p:childTnLst>
+                              <p:par>
+                                <p:cTn id="35" presetID="1" presetClass="entr" presetSubtype="0" fill="hold" nodeType="clickEffect">
+                                  <p:stCondLst>
+                                    <p:cond delay="0"/>
+                                  </p:stCondLst>
+                                  <p:childTnLst>
+                                    <p:set>
+                                      <p:cBhvr>
+                                        <p:cTn id="36" dur="1" fill="hold">
+                                          <p:stCondLst>
+                                            <p:cond delay="0"/>
+                                          </p:stCondLst>
+                                        </p:cTn>
+                                        <p:tgtEl>
+                                          <p:spTgt spid="3">
+                                            <p:txEl>
+                                              <p:pRg st="8" end="8"/>
+                                            </p:txEl>
+                                          </p:spTgt>
+                                        </p:tgtEl>
+                                        <p:attrNameLst>
+                                          <p:attrName>style.visibility</p:attrName>
+                                        </p:attrNameLst>
+                                      </p:cBhvr>
+                                      <p:to>
+                                        <p:strVal val="visible"/>
+                                      </p:to>
+                                    </p:set>
+                                  </p:childTnLst>
+                                </p:cTn>
+                              </p:par>
+                            </p:childTnLst>
+                          </p:cTn>
+                        </p:par>
+                      </p:childTnLst>
+                    </p:cTn>
+                  </p:par>
+                </p:childTnLst>
+              </p:cTn>
+              <p:prevCondLst>
+                <p:cond evt="onPrev" delay="0">
+                  <p:tgtEl>
+                    <p:sldTgt/>
+                  </p:tgtEl>
+                </p:cond>
+              </p:prevCondLst>
+              <p:nextCondLst>
+                <p:cond evt="onNext" delay="0">
+                  <p:tgtEl>
+                    <p:sldTgt/>
+                  </p:tgtEl>
+                </p:cond>
+              </p:nextCondLst>
+            </p:seq>
+          </p:childTnLst>
+        </p:cTn>
+      </p:par>
+    </p:tnLst>
+  </p:timing>
+</p:sld>
+</file>
+
+<file path=ppt/slides/slide6.xml><?xml version="1.0" encoding="utf-8"?>
+<p:sld xmlns:a="http://schemas.openxmlformats.org/drawingml/2006/main" xmlns:r="http://schemas.openxmlformats.org/officeDocument/2006/relationships" xmlns:p="http://schemas.openxmlformats.org/presentationml/2006/main">
+  <p:cSld>
+    <p:spTree>
+      <p:nvGrpSpPr>
+        <p:cNvPr id="1" name=""/>
+        <p:cNvGrpSpPr/>
+        <p:nvPr/>
+      </p:nvGrpSpPr>
+      <p:grpSpPr>
+        <a:xfrm>
+          <a:off x="0" y="0"/>
+          <a:ext cx="0" cy="0"/>
+          <a:chOff x="0" y="0"/>
+          <a:chExt cx="0" cy="0"/>
+        </a:xfrm>
+      </p:grpSpPr>
+      <p:sp>
+        <p:nvSpPr>
+          <p:cNvPr id="2" name="Title 1"/>
+          <p:cNvSpPr>
+            <a:spLocks noGrp="1"/>
+          </p:cNvSpPr>
+          <p:nvPr>
+            <p:ph type="title"/>
+          </p:nvPr>
+        </p:nvSpPr>
+        <p:spPr/>
+        <p:txBody>
+          <a:bodyPr/>
+          <a:lstStyle/>
+          <a:p>
+            <a:r>
+              <a:rPr lang="en-US" dirty="0" smtClean="0"/>
+              <a:t>Plan Method disjoint</a:t>
+            </a:r>
+            <a:endParaRPr lang="en-US" dirty="0"/>
+          </a:p>
+        </p:txBody>
+      </p:sp>
+      <p:graphicFrame>
+        <p:nvGraphicFramePr>
+          <p:cNvPr id="4" name="Table 3"/>
+          <p:cNvGraphicFramePr>
+            <a:graphicFrameLocks noGrp="1"/>
+          </p:cNvGraphicFramePr>
+          <p:nvPr>
+            <p:extLst>
+              <p:ext uri="{D42A27DB-BD31-4B8C-83A1-F6EECF244321}">
+                <p14:modId xmlns:p14="http://schemas.microsoft.com/office/powerpoint/2010/main" val="525538659"/>
+              </p:ext>
+            </p:extLst>
+          </p:nvPr>
+        </p:nvGraphicFramePr>
+        <p:xfrm>
+          <a:off x="1273875" y="1522714"/>
+          <a:ext cx="6096000" cy="1652966"/>
+        </p:xfrm>
+        <a:graphic>
+          <a:graphicData uri="http://schemas.openxmlformats.org/drawingml/2006/table">
+            <a:tbl>
+              <a:tblPr firstRow="1" firstCol="1" bandRow="1">
+                <a:tableStyleId>{5C22544A-7EE6-4342-B048-85BDC9FD1C3A}</a:tableStyleId>
+              </a:tblPr>
+              <a:tblGrid>
+                <a:gridCol w="762000"/>
+                <a:gridCol w="762000"/>
+                <a:gridCol w="762000"/>
+                <a:gridCol w="762000"/>
+                <a:gridCol w="762000"/>
+                <a:gridCol w="762000"/>
+                <a:gridCol w="762000"/>
+                <a:gridCol w="762000"/>
+              </a:tblGrid>
+              <a:tr h="0">
+                <a:tc>
+                  <a:txBody>
+                    <a:bodyPr/>
+                    <a:lstStyle/>
+                    <a:p>
+                      <a:endParaRPr lang="en-US" sz="1800" b="1" kern="1200" dirty="0">
+                        <a:solidFill>
+                          <a:schemeClr val="lt1"/>
+                        </a:solidFill>
+                        <a:latin typeface="+mn-lt"/>
+                        <a:ea typeface="+mn-ea"/>
+                        <a:cs typeface="+mn-cs"/>
+                      </a:endParaRPr>
+                    </a:p>
+                  </a:txBody>
+                  <a:tcPr/>
+                </a:tc>
+                <a:tc>
+                  <a:txBody>
+                    <a:bodyPr/>
+                    <a:lstStyle/>
+                    <a:p>
+                      <a:r>
+                        <a:rPr lang="en-US" dirty="0" smtClean="0"/>
+                        <a:t>9</a:t>
+                      </a:r>
+                      <a:endParaRPr lang="en-US" dirty="0"/>
+                    </a:p>
+                  </a:txBody>
+                  <a:tcPr/>
+                </a:tc>
+                <a:tc>
+                  <a:txBody>
+                    <a:bodyPr/>
+                    <a:lstStyle/>
+                    <a:p>
+                      <a:r>
+                        <a:rPr lang="en-US" dirty="0" smtClean="0"/>
+                        <a:t>1</a:t>
+                      </a:r>
+                      <a:endParaRPr lang="en-US" dirty="0"/>
+                    </a:p>
+                  </a:txBody>
+                  <a:tcPr/>
+                </a:tc>
+                <a:tc>
+                  <a:txBody>
+                    <a:bodyPr/>
+                    <a:lstStyle/>
+                    <a:p>
+                      <a:r>
+                        <a:rPr lang="en-US" dirty="0" smtClean="0"/>
+                        <a:t>5</a:t>
+                      </a:r>
+                      <a:endParaRPr lang="en-US" dirty="0"/>
+                    </a:p>
+                  </a:txBody>
+                  <a:tcPr/>
+                </a:tc>
+                <a:tc>
+                  <a:txBody>
+                    <a:bodyPr/>
+                    <a:lstStyle/>
+                    <a:p>
+                      <a:r>
+                        <a:rPr lang="en-US" dirty="0" smtClean="0"/>
+                        <a:t>7</a:t>
+                      </a:r>
+                      <a:endParaRPr lang="en-US" dirty="0"/>
+                    </a:p>
+                  </a:txBody>
+                  <a:tcPr/>
+                </a:tc>
+                <a:tc>
+                  <a:txBody>
+                    <a:bodyPr/>
+                    <a:lstStyle/>
+                    <a:p>
+                      <a:r>
+                        <a:rPr lang="en-US" dirty="0" smtClean="0"/>
+                        <a:t>3</a:t>
+                      </a:r>
+                      <a:endParaRPr lang="en-US" dirty="0"/>
+                    </a:p>
+                  </a:txBody>
+                  <a:tcPr/>
+                </a:tc>
+                <a:tc>
+                  <a:txBody>
+                    <a:bodyPr/>
+                    <a:lstStyle/>
+                    <a:p>
+                      <a:r>
+                        <a:rPr lang="en-US" dirty="0" smtClean="0"/>
+                        <a:t>9</a:t>
+                      </a:r>
+                      <a:endParaRPr lang="en-US" dirty="0"/>
+                    </a:p>
+                  </a:txBody>
+                  <a:tcPr/>
+                </a:tc>
+                <a:tc>
+                  <a:txBody>
+                    <a:bodyPr/>
+                    <a:lstStyle/>
+                    <a:p>
+                      <a:r>
+                        <a:rPr lang="en-US" dirty="0" smtClean="0"/>
+                        <a:t>9</a:t>
+                      </a:r>
+                      <a:endParaRPr lang="en-US" dirty="0"/>
+                    </a:p>
+                  </a:txBody>
+                  <a:tcPr/>
+                </a:tc>
+              </a:tr>
+              <a:tr h="370840">
+                <a:tc>
+                  <a:txBody>
+                    <a:bodyPr/>
+                    <a:lstStyle/>
+                    <a:p>
+                      <a:r>
+                        <a:rPr lang="en-US" dirty="0" smtClean="0"/>
+                        <a:t>2</a:t>
+                      </a:r>
+                      <a:endParaRPr lang="en-US" dirty="0"/>
+                    </a:p>
+                  </a:txBody>
+                  <a:tcPr/>
+                </a:tc>
+                <a:tc>
+                  <a:txBody>
+                    <a:bodyPr/>
+                    <a:lstStyle/>
+                    <a:p>
+                      <a:r>
+                        <a:rPr lang="en-US" dirty="0" smtClean="0"/>
+                        <a:t>X</a:t>
+                      </a:r>
+                      <a:endParaRPr lang="en-US" dirty="0"/>
+                    </a:p>
+                  </a:txBody>
+                  <a:tcPr/>
+                </a:tc>
+                <a:tc>
+                  <a:txBody>
+                    <a:bodyPr/>
+                    <a:lstStyle/>
+                    <a:p>
+                      <a:r>
+                        <a:rPr lang="en-US" dirty="0" smtClean="0"/>
+                        <a:t>X</a:t>
+                      </a:r>
+                      <a:endParaRPr lang="en-US" dirty="0"/>
+                    </a:p>
+                  </a:txBody>
+                  <a:tcPr/>
+                </a:tc>
+                <a:tc>
+                  <a:txBody>
+                    <a:bodyPr/>
+                    <a:lstStyle/>
+                    <a:p>
+                      <a:r>
+                        <a:rPr lang="en-US" dirty="0" smtClean="0"/>
+                        <a:t>X</a:t>
+                      </a:r>
+                      <a:endParaRPr lang="en-US" dirty="0"/>
+                    </a:p>
+                  </a:txBody>
+                  <a:tcPr/>
+                </a:tc>
+                <a:tc>
+                  <a:txBody>
+                    <a:bodyPr/>
+                    <a:lstStyle/>
+                    <a:p>
+                      <a:r>
+                        <a:rPr lang="en-US" dirty="0" smtClean="0"/>
+                        <a:t>X</a:t>
+                      </a:r>
+                      <a:endParaRPr lang="en-US" dirty="0"/>
+                    </a:p>
+                  </a:txBody>
+                  <a:tcPr/>
+                </a:tc>
+                <a:tc>
+                  <a:txBody>
+                    <a:bodyPr/>
+                    <a:lstStyle/>
+                    <a:p>
+                      <a:r>
+                        <a:rPr lang="en-US" dirty="0" smtClean="0"/>
+                        <a:t>X</a:t>
+                      </a:r>
+                      <a:endParaRPr lang="en-US" dirty="0"/>
+                    </a:p>
+                  </a:txBody>
+                  <a:tcPr/>
+                </a:tc>
+                <a:tc>
+                  <a:txBody>
+                    <a:bodyPr/>
+                    <a:lstStyle/>
+                    <a:p>
+                      <a:r>
+                        <a:rPr lang="en-US" dirty="0" smtClean="0"/>
+                        <a:t>X</a:t>
+                      </a:r>
+                      <a:endParaRPr lang="en-US" dirty="0"/>
+                    </a:p>
+                  </a:txBody>
+                  <a:tcPr/>
+                </a:tc>
+                <a:tc>
+                  <a:txBody>
+                    <a:bodyPr/>
+                    <a:lstStyle/>
+                    <a:p>
+                      <a:r>
+                        <a:rPr lang="en-US" dirty="0" smtClean="0"/>
+                        <a:t>X</a:t>
+                      </a:r>
+                      <a:endParaRPr lang="en-US" dirty="0"/>
+                    </a:p>
+                  </a:txBody>
+                  <a:tcPr/>
+                </a:tc>
+              </a:tr>
+              <a:tr h="545526">
+                <a:tc>
+                  <a:txBody>
+                    <a:bodyPr/>
+                    <a:lstStyle/>
+                    <a:p>
+                      <a:r>
+                        <a:rPr lang="en-US" dirty="0" smtClean="0"/>
+                        <a:t>4</a:t>
+                      </a:r>
+                      <a:endParaRPr lang="en-US" dirty="0"/>
+                    </a:p>
+                  </a:txBody>
+                  <a:tcPr/>
+                </a:tc>
+                <a:tc>
+                  <a:txBody>
+                    <a:bodyPr/>
+                    <a:lstStyle/>
+                    <a:p>
+                      <a:r>
+                        <a:rPr lang="en-US" dirty="0" smtClean="0"/>
+                        <a:t>X</a:t>
+                      </a:r>
+                      <a:endParaRPr lang="en-US" dirty="0"/>
+                    </a:p>
+                  </a:txBody>
+                  <a:tcPr/>
+                </a:tc>
+                <a:tc>
+                  <a:txBody>
+                    <a:bodyPr/>
+                    <a:lstStyle/>
+                    <a:p>
+                      <a:r>
+                        <a:rPr lang="en-US" dirty="0" smtClean="0"/>
+                        <a:t>X</a:t>
+                      </a:r>
+                      <a:endParaRPr lang="en-US" dirty="0"/>
+                    </a:p>
+                  </a:txBody>
+                  <a:tcPr/>
+                </a:tc>
+                <a:tc>
+                  <a:txBody>
+                    <a:bodyPr/>
+                    <a:lstStyle/>
+                    <a:p>
+                      <a:r>
+                        <a:rPr lang="en-US" dirty="0" smtClean="0"/>
+                        <a:t>X</a:t>
+                      </a:r>
+                      <a:endParaRPr lang="en-US" dirty="0"/>
+                    </a:p>
+                  </a:txBody>
+                  <a:tcPr/>
+                </a:tc>
+                <a:tc>
+                  <a:txBody>
+                    <a:bodyPr/>
+                    <a:lstStyle/>
+                    <a:p>
+                      <a:r>
+                        <a:rPr lang="en-US" dirty="0" smtClean="0"/>
+                        <a:t>X</a:t>
+                      </a:r>
+                      <a:endParaRPr lang="en-US" dirty="0"/>
+                    </a:p>
+                  </a:txBody>
+                  <a:tcPr/>
+                </a:tc>
+                <a:tc>
+                  <a:txBody>
+                    <a:bodyPr/>
+                    <a:lstStyle/>
+                    <a:p>
+                      <a:r>
+                        <a:rPr lang="en-US" dirty="0" smtClean="0"/>
+                        <a:t>X</a:t>
+                      </a:r>
+                      <a:endParaRPr lang="en-US" dirty="0"/>
+                    </a:p>
+                  </a:txBody>
+                  <a:tcPr/>
+                </a:tc>
+                <a:tc>
+                  <a:txBody>
+                    <a:bodyPr/>
+                    <a:lstStyle/>
+                    <a:p>
+                      <a:r>
+                        <a:rPr lang="en-US" dirty="0" smtClean="0"/>
+                        <a:t>X</a:t>
+                      </a:r>
+                      <a:endParaRPr lang="en-US" dirty="0"/>
+                    </a:p>
+                  </a:txBody>
+                  <a:tcPr/>
+                </a:tc>
+                <a:tc>
+                  <a:txBody>
+                    <a:bodyPr/>
+                    <a:lstStyle/>
+                    <a:p>
+                      <a:r>
+                        <a:rPr lang="en-US" dirty="0" smtClean="0"/>
+                        <a:t>X</a:t>
+                      </a:r>
+                      <a:endParaRPr lang="en-US" dirty="0"/>
+                    </a:p>
+                  </a:txBody>
+                  <a:tcPr/>
+                </a:tc>
+              </a:tr>
+              <a:tr h="370840">
+                <a:tc>
+                  <a:txBody>
+                    <a:bodyPr/>
+                    <a:lstStyle/>
+                    <a:p>
+                      <a:r>
+                        <a:rPr lang="en-US" dirty="0" smtClean="0"/>
+                        <a:t>9</a:t>
+                      </a:r>
+                      <a:endParaRPr lang="en-US" dirty="0"/>
+                    </a:p>
+                  </a:txBody>
+                  <a:tcPr/>
+                </a:tc>
+                <a:tc>
+                  <a:txBody>
+                    <a:bodyPr/>
+                    <a:lstStyle/>
+                    <a:p>
+                      <a:r>
+                        <a:rPr lang="en-US" dirty="0" smtClean="0"/>
+                        <a:t>*</a:t>
+                      </a:r>
+                      <a:endParaRPr lang="en-US" dirty="0"/>
+                    </a:p>
+                  </a:txBody>
+                  <a:tcPr/>
+                </a:tc>
+                <a:tc>
+                  <a:txBody>
+                    <a:bodyPr/>
+                    <a:lstStyle/>
+                    <a:p>
+                      <a:endParaRPr lang="en-US" dirty="0"/>
+                    </a:p>
+                  </a:txBody>
+                  <a:tcPr/>
+                </a:tc>
+                <a:tc>
+                  <a:txBody>
+                    <a:bodyPr/>
+                    <a:lstStyle/>
+                    <a:p>
+                      <a:endParaRPr lang="en-US" dirty="0"/>
+                    </a:p>
+                  </a:txBody>
+                  <a:tcPr/>
+                </a:tc>
+                <a:tc>
+                  <a:txBody>
+                    <a:bodyPr/>
+                    <a:lstStyle/>
+                    <a:p>
+                      <a:endParaRPr lang="en-US" dirty="0"/>
+                    </a:p>
+                  </a:txBody>
+                  <a:tcPr/>
+                </a:tc>
+                <a:tc>
+                  <a:txBody>
+                    <a:bodyPr/>
+                    <a:lstStyle/>
+                    <a:p>
+                      <a:endParaRPr lang="en-US" dirty="0"/>
+                    </a:p>
+                  </a:txBody>
+                  <a:tcPr/>
+                </a:tc>
+                <a:tc>
+                  <a:txBody>
+                    <a:bodyPr/>
+                    <a:lstStyle/>
+                    <a:p>
+                      <a:endParaRPr lang="en-US" dirty="0"/>
+                    </a:p>
+                  </a:txBody>
+                  <a:tcPr/>
+                </a:tc>
+                <a:tc>
+                  <a:txBody>
+                    <a:bodyPr/>
+                    <a:lstStyle/>
+                    <a:p>
+                      <a:endParaRPr lang="en-US" dirty="0"/>
+                    </a:p>
+                  </a:txBody>
+                  <a:tcPr/>
+                </a:tc>
+              </a:tr>
+            </a:tbl>
+          </a:graphicData>
+        </a:graphic>
+      </p:graphicFrame>
+    </p:spTree>
+    <p:extLst>
+      <p:ext uri="{BB962C8B-B14F-4D97-AF65-F5344CB8AC3E}">
+        <p14:creationId xmlns:p14="http://schemas.microsoft.com/office/powerpoint/2010/main" val="3386861516"/>
+      </p:ext>
+    </p:extLst>
+  </p:cSld>
+  <p:clrMapOvr>
+    <a:masterClrMapping/>
+  </p:clrMapOvr>
+  <p:timing>
+    <p:tnLst>
+      <p:par>
+        <p:cTn xmlns:p14="http://schemas.microsoft.com/office/powerpoint/2010/main" id="1" dur="indefinite" restart="never" nodeType="tmRoot"/>
+      </p:par>
+    </p:tnLst>
+  </p:timing>
+</p:sld>
+</file>
+
+<file path=ppt/slides/slide7.xml><?xml version="1.0" encoding="utf-8"?>
+<p:sld xmlns:a="http://schemas.openxmlformats.org/drawingml/2006/main" xmlns:r="http://schemas.openxmlformats.org/officeDocument/2006/relationships" xmlns:p="http://schemas.openxmlformats.org/presentationml/2006/main">
+  <p:cSld>
+    <p:spTree>
+      <p:nvGrpSpPr>
+        <p:cNvPr id="1" name=""/>
+        <p:cNvGrpSpPr/>
+        <p:nvPr/>
+      </p:nvGrpSpPr>
+      <p:grpSpPr>
+        <a:xfrm>
+          <a:off x="0" y="0"/>
+          <a:ext cx="0" cy="0"/>
+          <a:chOff x="0" y="0"/>
+          <a:chExt cx="0" cy="0"/>
+        </a:xfrm>
+      </p:grpSpPr>
+      <p:sp>
+        <p:nvSpPr>
+          <p:cNvPr id="2" name="Title 1"/>
+          <p:cNvSpPr>
+            <a:spLocks noGrp="1"/>
+          </p:cNvSpPr>
+          <p:nvPr>
+            <p:ph type="title"/>
+          </p:nvPr>
+        </p:nvSpPr>
+        <p:spPr/>
+        <p:txBody>
+          <a:bodyPr/>
+          <a:lstStyle/>
+          <a:p>
+            <a:r>
+              <a:rPr lang="en-US" dirty="0" smtClean="0"/>
+              <a:t>Rectangular Code</a:t>
+            </a:r>
+            <a:endParaRPr lang="en-US" dirty="0"/>
+          </a:p>
+        </p:txBody>
+      </p:sp>
+      <p:sp>
+        <p:nvSpPr>
+          <p:cNvPr id="3" name="Content Placeholder 2"/>
+          <p:cNvSpPr>
+            <a:spLocks noGrp="1"/>
+          </p:cNvSpPr>
+          <p:nvPr>
+            <p:ph idx="1"/>
+          </p:nvPr>
+        </p:nvSpPr>
+        <p:spPr/>
+        <p:txBody>
+          <a:bodyPr>
+            <a:normAutofit fontScale="70000" lnSpcReduction="20000"/>
+          </a:bodyPr>
+          <a:lstStyle/>
+          <a:p>
+            <a:pPr marL="0" indent="0">
+              <a:buNone/>
+            </a:pPr>
+            <a:r>
+              <a:rPr lang="en-US" dirty="0" smtClean="0"/>
+              <a:t>public static </a:t>
+            </a:r>
+            <a:r>
+              <a:rPr lang="en-US" dirty="0" err="1" smtClean="0"/>
+              <a:t>boolean</a:t>
+            </a:r>
+            <a:r>
+              <a:rPr lang="en-US" dirty="0" smtClean="0"/>
+              <a:t> disjoint(</a:t>
+            </a:r>
+            <a:r>
+              <a:rPr lang="en-US" dirty="0" err="1" smtClean="0"/>
+              <a:t>int</a:t>
+            </a:r>
+            <a:r>
+              <a:rPr lang="en-US" dirty="0" smtClean="0"/>
+              <a:t>[] first, </a:t>
+            </a:r>
+            <a:r>
+              <a:rPr lang="en-US" dirty="0" err="1" smtClean="0"/>
+              <a:t>int</a:t>
+            </a:r>
+            <a:r>
+              <a:rPr lang="en-US" dirty="0" smtClean="0"/>
+              <a:t>[] second)</a:t>
+            </a:r>
+          </a:p>
+          <a:p>
+            <a:pPr marL="0" indent="0">
+              <a:buNone/>
+            </a:pPr>
+            <a:r>
+              <a:rPr lang="en-US" dirty="0" smtClean="0"/>
+              <a:t>{</a:t>
+            </a:r>
+          </a:p>
+          <a:p>
+            <a:pPr marL="0" indent="0">
+              <a:buNone/>
+            </a:pPr>
+            <a:r>
+              <a:rPr lang="en-US" dirty="0"/>
+              <a:t>	</a:t>
+            </a:r>
+            <a:r>
+              <a:rPr lang="en-US" dirty="0" smtClean="0"/>
+              <a:t>for (</a:t>
+            </a:r>
+            <a:r>
+              <a:rPr lang="en-US" dirty="0" err="1" smtClean="0"/>
+              <a:t>int</a:t>
+            </a:r>
+            <a:r>
+              <a:rPr lang="en-US" dirty="0" smtClean="0"/>
+              <a:t> </a:t>
+            </a:r>
+            <a:r>
+              <a:rPr lang="en-US" dirty="0" err="1" smtClean="0"/>
+              <a:t>firstIndex</a:t>
+            </a:r>
+            <a:r>
+              <a:rPr lang="en-US" dirty="0" smtClean="0"/>
+              <a:t> = 0; </a:t>
+            </a:r>
+            <a:r>
+              <a:rPr lang="en-US" dirty="0" err="1" smtClean="0"/>
+              <a:t>firstIndex</a:t>
+            </a:r>
+            <a:r>
+              <a:rPr lang="en-US" dirty="0" smtClean="0"/>
+              <a:t>&lt;</a:t>
+            </a:r>
+            <a:r>
+              <a:rPr lang="en-US" dirty="0" err="1" smtClean="0"/>
+              <a:t>first.length</a:t>
+            </a:r>
+            <a:r>
+              <a:rPr lang="en-US" dirty="0" smtClean="0"/>
+              <a:t>; ++</a:t>
+            </a:r>
+            <a:r>
+              <a:rPr lang="en-US" dirty="0" err="1" smtClean="0"/>
+              <a:t>firstIndex</a:t>
+            </a:r>
+            <a:r>
+              <a:rPr lang="en-US" dirty="0" smtClean="0"/>
+              <a:t>)</a:t>
+            </a:r>
+          </a:p>
+          <a:p>
+            <a:pPr marL="0" indent="0">
+              <a:buNone/>
+            </a:pPr>
+            <a:r>
+              <a:rPr lang="en-US" dirty="0"/>
+              <a:t>	</a:t>
+            </a:r>
+            <a:r>
+              <a:rPr lang="en-US" dirty="0" smtClean="0"/>
+              <a:t>	for (</a:t>
+            </a:r>
+            <a:r>
+              <a:rPr lang="en-US" dirty="0" err="1" smtClean="0"/>
+              <a:t>int</a:t>
+            </a:r>
+            <a:r>
+              <a:rPr lang="en-US" dirty="0" smtClean="0"/>
+              <a:t> </a:t>
+            </a:r>
+            <a:r>
+              <a:rPr lang="en-US" dirty="0" err="1" smtClean="0"/>
+              <a:t>secIndex</a:t>
+            </a:r>
+            <a:r>
+              <a:rPr lang="en-US" dirty="0" smtClean="0"/>
+              <a:t> = 0; </a:t>
+            </a:r>
+            <a:r>
+              <a:rPr lang="en-US" dirty="0" err="1" smtClean="0"/>
+              <a:t>secIndex</a:t>
+            </a:r>
+            <a:r>
+              <a:rPr lang="en-US" dirty="0" smtClean="0"/>
+              <a:t>&lt;</a:t>
+            </a:r>
+            <a:r>
+              <a:rPr lang="en-US" dirty="0" err="1" smtClean="0"/>
+              <a:t>second.length</a:t>
+            </a:r>
+            <a:r>
+              <a:rPr lang="en-US" dirty="0" smtClean="0"/>
+              <a:t>; ++</a:t>
+            </a:r>
+            <a:r>
+              <a:rPr lang="en-US" dirty="0" err="1" smtClean="0"/>
+              <a:t>secIndex</a:t>
+            </a:r>
+            <a:r>
+              <a:rPr lang="en-US" dirty="0" smtClean="0"/>
+              <a:t>)</a:t>
+            </a:r>
+          </a:p>
+          <a:p>
+            <a:pPr marL="0" indent="0">
+              <a:buNone/>
+            </a:pPr>
+            <a:r>
+              <a:rPr lang="en-US" dirty="0"/>
+              <a:t>	</a:t>
+            </a:r>
+            <a:r>
+              <a:rPr lang="en-US" dirty="0" smtClean="0"/>
+              <a:t>		if (first[</a:t>
+            </a:r>
+            <a:r>
+              <a:rPr lang="en-US" dirty="0" err="1" smtClean="0"/>
+              <a:t>firstIndex</a:t>
+            </a:r>
+            <a:r>
+              <a:rPr lang="en-US" dirty="0" smtClean="0"/>
+              <a:t>] == second[</a:t>
+            </a:r>
+            <a:r>
+              <a:rPr lang="en-US" dirty="0" err="1" smtClean="0"/>
+              <a:t>secIndex</a:t>
+            </a:r>
+            <a:r>
+              <a:rPr lang="en-US" dirty="0" smtClean="0"/>
+              <a:t>])</a:t>
+            </a:r>
+          </a:p>
+          <a:p>
+            <a:pPr marL="0" indent="0">
+              <a:buNone/>
+            </a:pPr>
+            <a:r>
+              <a:rPr lang="en-US" dirty="0"/>
+              <a:t>	</a:t>
+            </a:r>
+            <a:r>
+              <a:rPr lang="en-US" dirty="0" smtClean="0"/>
+              <a:t>			return false;</a:t>
+            </a:r>
+          </a:p>
+          <a:p>
+            <a:pPr marL="0" indent="0">
+              <a:buNone/>
+            </a:pPr>
+            <a:endParaRPr lang="en-US" dirty="0"/>
+          </a:p>
+          <a:p>
+            <a:pPr marL="0" indent="0">
+              <a:buNone/>
+            </a:pPr>
+            <a:r>
+              <a:rPr lang="en-US" dirty="0" smtClean="0"/>
+              <a:t>	return true;</a:t>
+            </a:r>
+          </a:p>
+          <a:p>
+            <a:pPr marL="0" indent="0">
+              <a:buNone/>
+            </a:pPr>
+            <a:r>
+              <a:rPr lang="en-US" dirty="0"/>
+              <a:t>}</a:t>
+            </a:r>
+          </a:p>
+        </p:txBody>
+      </p:sp>
+    </p:spTree>
+    <p:extLst>
+      <p:ext uri="{BB962C8B-B14F-4D97-AF65-F5344CB8AC3E}">
+        <p14:creationId xmlns:p14="http://schemas.microsoft.com/office/powerpoint/2010/main" val="2957562977"/>
+      </p:ext>
+    </p:extLst>
+  </p:cSld>
+  <p:clrMapOvr>
+    <a:masterClrMapping/>
+  </p:clrMapOvr>
+  <p:timing>
+    <p:tnLst>
+      <p:par>
+        <p:cTn xmlns:p14="http://schemas.microsoft.com/office/powerpoint/2010/main" id="1" dur="indefinite" restart="never" nodeType="tmRoot"/>
+      </p:par>
+    </p:tnLst>
+  </p:timing>
+</p:sld>
+</file>
+
+<file path=ppt/slides/slide8.xml><?xml version="1.0" encoding="utf-8"?>
+<p:sld xmlns:a="http://schemas.openxmlformats.org/drawingml/2006/main" xmlns:r="http://schemas.openxmlformats.org/officeDocument/2006/relationships" xmlns:p="http://schemas.openxmlformats.org/presentationml/2006/main">
+  <p:cSld>
+    <p:spTree>
+      <p:nvGrpSpPr>
+        <p:cNvPr id="1" name=""/>
+        <p:cNvGrpSpPr/>
+        <p:nvPr/>
+      </p:nvGrpSpPr>
+      <p:grpSpPr>
+        <a:xfrm>
+          <a:off x="0" y="0"/>
+          <a:ext cx="0" cy="0"/>
+          <a:chOff x="0" y="0"/>
+          <a:chExt cx="0" cy="0"/>
+        </a:xfrm>
+      </p:grpSpPr>
+      <p:sp>
+        <p:nvSpPr>
+          <p:cNvPr id="2" name="Title 1"/>
+          <p:cNvSpPr>
+            <a:spLocks noGrp="1"/>
+          </p:cNvSpPr>
+          <p:nvPr>
+            <p:ph type="title"/>
+          </p:nvPr>
+        </p:nvSpPr>
+        <p:spPr/>
+        <p:txBody>
+          <a:bodyPr/>
+          <a:lstStyle/>
+          <a:p>
+            <a:r>
+              <a:rPr lang="en-US" dirty="0" smtClean="0"/>
+              <a:t>Example: </a:t>
+            </a:r>
+            <a:r>
+              <a:rPr lang="en-US" dirty="0" err="1" smtClean="0"/>
+              <a:t>elementsUnique</a:t>
+            </a:r>
+            <a:endParaRPr lang="en-US" dirty="0"/>
+          </a:p>
+        </p:txBody>
+      </p:sp>
+      <p:sp>
+        <p:nvSpPr>
+          <p:cNvPr id="3" name="Content Placeholder 2"/>
+          <p:cNvSpPr>
+            <a:spLocks noGrp="1"/>
+          </p:cNvSpPr>
+          <p:nvPr>
+            <p:ph idx="1"/>
+          </p:nvPr>
+        </p:nvSpPr>
+        <p:spPr/>
+        <p:txBody>
+          <a:bodyPr>
+            <a:normAutofit lnSpcReduction="10000"/>
+          </a:bodyPr>
+          <a:lstStyle/>
+          <a:p>
+            <a:r>
+              <a:rPr lang="en-US" dirty="0" smtClean="0"/>
+              <a:t>public static </a:t>
+            </a:r>
+            <a:r>
+              <a:rPr lang="en-US" dirty="0" err="1" smtClean="0"/>
+              <a:t>boolean</a:t>
+            </a:r>
+            <a:r>
+              <a:rPr lang="en-US" dirty="0" smtClean="0"/>
+              <a:t> </a:t>
+            </a:r>
+            <a:r>
+              <a:rPr lang="en-US" dirty="0" err="1" smtClean="0"/>
+              <a:t>elementsUnique</a:t>
+            </a:r>
+            <a:r>
+              <a:rPr lang="en-US" dirty="0" smtClean="0"/>
+              <a:t> (</a:t>
+            </a:r>
+            <a:r>
+              <a:rPr lang="en-US" dirty="0" err="1" smtClean="0"/>
+              <a:t>int</a:t>
+            </a:r>
+            <a:r>
+              <a:rPr lang="en-US" dirty="0" smtClean="0"/>
+              <a:t>[] target)</a:t>
+            </a:r>
+          </a:p>
+          <a:p>
+            <a:pPr lvl="1"/>
+            <a:r>
+              <a:rPr lang="en-US" dirty="0" err="1" smtClean="0"/>
+              <a:t>int</a:t>
+            </a:r>
+            <a:r>
+              <a:rPr lang="en-US" dirty="0" smtClean="0"/>
+              <a:t>[] target = {1, 3, 4, 6, 5, 9, 7, 7}</a:t>
+            </a:r>
+          </a:p>
+          <a:p>
+            <a:pPr lvl="2"/>
+            <a:r>
+              <a:rPr lang="en-US" dirty="0" smtClean="0"/>
+              <a:t>Returns false</a:t>
+            </a:r>
+          </a:p>
+          <a:p>
+            <a:pPr lvl="1"/>
+            <a:r>
+              <a:rPr lang="en-US" dirty="0" err="1" smtClean="0"/>
+              <a:t>int</a:t>
+            </a:r>
+            <a:r>
+              <a:rPr lang="en-US" dirty="0" smtClean="0"/>
+              <a:t>[] target = {1, 3, 4, 9, 7, 5, 6, 2}</a:t>
+            </a:r>
+          </a:p>
+          <a:p>
+            <a:pPr lvl="2"/>
+            <a:r>
+              <a:rPr lang="en-US" dirty="0" smtClean="0"/>
+              <a:t>Returns true</a:t>
+            </a:r>
+          </a:p>
+          <a:p>
+            <a:r>
+              <a:rPr lang="en-US" dirty="0" smtClean="0"/>
+              <a:t>Perfect size array</a:t>
+            </a:r>
+            <a:endParaRPr lang="en-US" dirty="0"/>
+          </a:p>
+        </p:txBody>
+      </p:sp>
+    </p:spTree>
+    <p:extLst>
+      <p:ext uri="{BB962C8B-B14F-4D97-AF65-F5344CB8AC3E}">
+        <p14:creationId xmlns:p14="http://schemas.microsoft.com/office/powerpoint/2010/main" val="1488072997"/>
+      </p:ext>
+    </p:extLst>
+  </p:cSld>
+  <p:clrMapOvr>
+    <a:masterClrMapping/>
+  </p:clrMapOvr>
+  <p:timing>
+    <p:tnLst>
+      <p:par>
+        <p:cTn xmlns:p14="http://schemas.microsoft.com/office/powerpoint/2010/main" id="1" dur="indefinite" restart="never" nodeType="tmRoot">
+          <p:childTnLst>
+            <p:seq concurrent="1" nextAc="seek">
+              <p:cTn id="2" dur="indefinite" nodeType="mainSeq">
+                <p:childTnLst>
+                  <p:par>
+                    <p:cTn id="3" fill="hold">
+                      <p:stCondLst>
+                        <p:cond delay="indefinite"/>
+                      </p:stCondLst>
+                      <p:childTnLst>
+                        <p:par>
+                          <p:cTn id="4" fill="hold">
+                            <p:stCondLst>
+                              <p:cond delay="0"/>
+                            </p:stCondLst>
+                            <p:childTnLst>
+                              <p:par>
+                                <p:cTn id="5" presetID="1" presetClass="entr" presetSubtype="0" fill="hold" nodeType="clickEffect">
+                                  <p:stCondLst>
+                                    <p:cond delay="0"/>
+                                  </p:stCondLst>
+                                  <p:childTnLst>
+                                    <p:set>
+                                      <p:cBhvr>
+                                        <p:cTn id="6" dur="1" fill="hold">
+                                          <p:stCondLst>
+                                            <p:cond delay="0"/>
+                                          </p:stCondLst>
+                                        </p:cTn>
+                                        <p:tgtEl>
+                                          <p:spTgt spid="3">
+                                            <p:txEl>
+                                              <p:pRg st="0" end="0"/>
+                                            </p:txEl>
+                                          </p:spTgt>
+                                        </p:tgtEl>
+                                        <p:attrNameLst>
+                                          <p:attrName>style.visibility</p:attrName>
+                                        </p:attrNameLst>
+                                      </p:cBhvr>
+                                      <p:to>
+                                        <p:strVal val="visible"/>
+                                      </p:to>
+                                    </p:set>
+                                  </p:childTnLst>
+                                </p:cTn>
+                              </p:par>
+                              <p:par>
+                                <p:cTn id="7" presetID="1" presetClass="entr" presetSubtype="0" fill="hold" nodeType="withEffect">
+                                  <p:stCondLst>
+                                    <p:cond delay="0"/>
+                                  </p:stCondLst>
+                                  <p:childTnLst>
+                                    <p:set>
+                                      <p:cBhvr>
+                                        <p:cTn id="8" dur="1" fill="hold">
+                                          <p:stCondLst>
+                                            <p:cond delay="0"/>
+                                          </p:stCondLst>
+                                        </p:cTn>
+                                        <p:tgtEl>
+                                          <p:spTgt spid="3">
+                                            <p:txEl>
+                                              <p:pRg st="1" end="1"/>
+                                            </p:txEl>
+                                          </p:spTgt>
+                                        </p:tgtEl>
+                                        <p:attrNameLst>
+                                          <p:attrName>style.visibility</p:attrName>
+                                        </p:attrNameLst>
+                                      </p:cBhvr>
+                                      <p:to>
+                                        <p:strVal val="visible"/>
+                                      </p:to>
+                                    </p:set>
+                                  </p:childTnLst>
+                                </p:cTn>
+                              </p:par>
+                            </p:childTnLst>
+                          </p:cTn>
+                        </p:par>
+                      </p:childTnLst>
+                    </p:cTn>
+                  </p:par>
+                  <p:par>
+                    <p:cTn id="9" fill="hold">
+                      <p:stCondLst>
+                        <p:cond delay="indefinite"/>
+                      </p:stCondLst>
+                      <p:childTnLst>
+                        <p:par>
+                          <p:cTn id="10" fill="hold">
+                            <p:stCondLst>
+                              <p:cond delay="0"/>
+                            </p:stCondLst>
+                            <p:childTnLst>
+                              <p:par>
+                                <p:cTn id="11" presetID="1" presetClass="entr" presetSubtype="0" fill="hold" nodeType="clickEffect">
+                                  <p:stCondLst>
+                                    <p:cond delay="0"/>
+                                  </p:stCondLst>
+                                  <p:childTnLst>
+                                    <p:set>
+                                      <p:cBhvr>
+                                        <p:cTn id="12" dur="1" fill="hold">
+                                          <p:stCondLst>
+                                            <p:cond delay="0"/>
+                                          </p:stCondLst>
+                                        </p:cTn>
+                                        <p:tgtEl>
+                                          <p:spTgt spid="3">
+                                            <p:txEl>
+                                              <p:pRg st="2" end="2"/>
+                                            </p:txEl>
+                                          </p:spTgt>
+                                        </p:tgtEl>
+                                        <p:attrNameLst>
+                                          <p:attrName>style.visibility</p:attrName>
+                                        </p:attrNameLst>
+                                      </p:cBhvr>
+                                      <p:to>
+                                        <p:strVal val="visible"/>
+                                      </p:to>
+                                    </p:set>
+                                  </p:childTnLst>
+                                </p:cTn>
+                              </p:par>
+                            </p:childTnLst>
+                          </p:cTn>
+                        </p:par>
+                      </p:childTnLst>
+                    </p:cTn>
+                  </p:par>
+                  <p:par>
+                    <p:cTn id="13" fill="hold">
+                      <p:stCondLst>
+                        <p:cond delay="indefinite"/>
+                      </p:stCondLst>
+                      <p:childTnLst>
+                        <p:par>
+                          <p:cTn id="14" fill="hold">
+                            <p:stCondLst>
+                              <p:cond delay="0"/>
+                            </p:stCondLst>
+                            <p:childTnLst>
+                              <p:par>
+                                <p:cTn id="15" presetID="1" presetClass="entr" presetSubtype="0" fill="hold" nodeType="clickEffect">
+                                  <p:stCondLst>
+                                    <p:cond delay="0"/>
+                                  </p:stCondLst>
+                                  <p:childTnLst>
+                                    <p:set>
+                                      <p:cBhvr>
+                                        <p:cTn id="16" dur="1" fill="hold">
+                                          <p:stCondLst>
+                                            <p:cond delay="0"/>
+                                          </p:stCondLst>
+                                        </p:cTn>
+                                        <p:tgtEl>
+                                          <p:spTgt spid="3">
+                                            <p:txEl>
+                                              <p:pRg st="3" end="3"/>
+                                            </p:txEl>
+                                          </p:spTgt>
+                                        </p:tgtEl>
+                                        <p:attrNameLst>
+                                          <p:attrName>style.visibility</p:attrName>
+                                        </p:attrNameLst>
+                                      </p:cBhvr>
+                                      <p:to>
+                                        <p:strVal val="visible"/>
+                                      </p:to>
+                                    </p:set>
+                                  </p:childTnLst>
+                                </p:cTn>
+                              </p:par>
+                            </p:childTnLst>
+                          </p:cTn>
+                        </p:par>
+                      </p:childTnLst>
+                    </p:cTn>
+                  </p:par>
+                  <p:par>
+                    <p:cTn id="17" fill="hold">
+                      <p:stCondLst>
+                        <p:cond delay="indefinite"/>
+                      </p:stCondLst>
+                      <p:childTnLst>
+                        <p:par>
+                          <p:cTn id="18" fill="hold">
+                            <p:stCondLst>
+                              <p:cond delay="0"/>
+                            </p:stCondLst>
+                            <p:childTnLst>
+                              <p:par>
+                                <p:cTn id="19" presetID="1" presetClass="entr" presetSubtype="0" fill="hold" nodeType="clickEffect">
+                                  <p:stCondLst>
+                                    <p:cond delay="0"/>
+                                  </p:stCondLst>
+                                  <p:childTnLst>
+                                    <p:set>
+                                      <p:cBhvr>
+                                        <p:cTn id="20" dur="1" fill="hold">
+                                          <p:stCondLst>
+                                            <p:cond delay="0"/>
+                                          </p:stCondLst>
+                                        </p:cTn>
+                                        <p:tgtEl>
+                                          <p:spTgt spid="3">
+                                            <p:txEl>
+                                              <p:pRg st="4" end="4"/>
+                                            </p:txEl>
+                                          </p:spTgt>
+                                        </p:tgtEl>
+                                        <p:attrNameLst>
+                                          <p:attrName>style.visibility</p:attrName>
+                                        </p:attrNameLst>
+                                      </p:cBhvr>
+                                      <p:to>
+                                        <p:strVal val="visible"/>
+                                      </p:to>
+                                    </p:set>
+                                  </p:childTnLst>
+                                </p:cTn>
+                              </p:par>
+                            </p:childTnLst>
+                          </p:cTn>
+                        </p:par>
+                      </p:childTnLst>
+                    </p:cTn>
+                  </p:par>
+                  <p:par>
+                    <p:cTn id="21" fill="hold">
+                      <p:stCondLst>
+                        <p:cond delay="indefinite"/>
+                      </p:stCondLst>
+                      <p:childTnLst>
+                        <p:par>
+                          <p:cTn id="22" fill="hold">
+                            <p:stCondLst>
+                              <p:cond delay="0"/>
+                            </p:stCondLst>
+                            <p:childTnLst>
+                              <p:par>
+                                <p:cTn id="23" presetID="1" presetClass="entr" presetSubtype="0" fill="hold" nodeType="clickEffect">
+                                  <p:stCondLst>
+                                    <p:cond delay="0"/>
+                                  </p:stCondLst>
+                                  <p:childTnLst>
+                                    <p:set>
+                                      <p:cBhvr>
+                                        <p:cTn id="24" dur="1" fill="hold">
+                                          <p:stCondLst>
+                                            <p:cond delay="0"/>
+                                          </p:stCondLst>
+                                        </p:cTn>
+                                        <p:tgtEl>
+                                          <p:spTgt spid="3">
+                                            <p:txEl>
+                                              <p:pRg st="5" end="5"/>
+                                            </p:txEl>
+                                          </p:spTgt>
+                                        </p:tgtEl>
+                                        <p:attrNameLst>
+                                          <p:attrName>style.visibility</p:attrName>
+                                        </p:attrNameLst>
+                                      </p:cBhvr>
+                                      <p:to>
+                                        <p:strVal val="visible"/>
+                                      </p:to>
+                                    </p:set>
+                                  </p:childTnLst>
+                                </p:cTn>
+                              </p:par>
+                            </p:childTnLst>
+                          </p:cTn>
+                        </p:par>
+                      </p:childTnLst>
+                    </p:cTn>
+                  </p:par>
+                </p:childTnLst>
+              </p:cTn>
+              <p:prevCondLst>
+                <p:cond evt="onPrev" delay="0">
+                  <p:tgtEl>
+                    <p:sldTgt/>
+                  </p:tgtEl>
+                </p:cond>
+              </p:prevCondLst>
+              <p:nextCondLst>
+                <p:cond evt="onNext" delay="0">
+                  <p:tgtEl>
+                    <p:sldTgt/>
+                  </p:tgtEl>
+                </p:cond>
+              </p:nextCondLst>
+            </p:seq>
+          </p:childTnLst>
+        </p:cTn>
+      </p:par>
+    </p:tnLst>
+  </p:timing>
+</p:sld>
+</file>
+
+<file path=ppt/slides/slide9.xml><?xml version="1.0" encoding="utf-8"?>
+<p:sld xmlns:a="http://schemas.openxmlformats.org/drawingml/2006/main" xmlns:r="http://schemas.openxmlformats.org/officeDocument/2006/relationships" xmlns:p="http://schemas.openxmlformats.org/presentationml/2006/main">
+  <p:cSld>
+    <p:spTree>
+      <p:nvGrpSpPr>
+        <p:cNvPr id="1" name=""/>
+        <p:cNvGrpSpPr/>
+        <p:nvPr/>
+      </p:nvGrpSpPr>
+      <p:grpSpPr>
+        <a:xfrm>
+          <a:off x="0" y="0"/>
+          <a:ext cx="0" cy="0"/>
+          <a:chOff x="0" y="0"/>
+          <a:chExt cx="0" cy="0"/>
+        </a:xfrm>
+      </p:grpSpPr>
+      <p:sp>
+        <p:nvSpPr>
+          <p:cNvPr id="2" name="Title 1"/>
+          <p:cNvSpPr>
+            <a:spLocks noGrp="1"/>
+          </p:cNvSpPr>
+          <p:nvPr>
+            <p:ph type="title"/>
+          </p:nvPr>
+        </p:nvSpPr>
+        <p:spPr/>
+        <p:txBody>
+          <a:bodyPr/>
+          <a:lstStyle/>
+          <a:p>
+            <a:r>
+              <a:rPr lang="en-US" dirty="0" smtClean="0"/>
+              <a:t>Plan Method </a:t>
+            </a:r>
+            <a:r>
+              <a:rPr lang="en-US" dirty="0" err="1" smtClean="0"/>
+              <a:t>elementsUnique</a:t>
+            </a:r>
+            <a:endParaRPr lang="en-US" dirty="0"/>
+          </a:p>
+        </p:txBody>
+      </p:sp>
+      <p:graphicFrame>
+        <p:nvGraphicFramePr>
+          <p:cNvPr id="4" name="Table 3"/>
+          <p:cNvGraphicFramePr>
+            <a:graphicFrameLocks noGrp="1"/>
+          </p:cNvGraphicFramePr>
+          <p:nvPr>
+            <p:extLst>
+              <p:ext uri="{D42A27DB-BD31-4B8C-83A1-F6EECF244321}">
+                <p14:modId xmlns:p14="http://schemas.microsoft.com/office/powerpoint/2010/main" val="2718046712"/>
+              </p:ext>
+            </p:extLst>
+          </p:nvPr>
+        </p:nvGraphicFramePr>
+        <p:xfrm>
+          <a:off x="1697164" y="1328837"/>
+          <a:ext cx="4876803" cy="2966720"/>
+        </p:xfrm>
+        <a:graphic>
+          <a:graphicData uri="http://schemas.openxmlformats.org/drawingml/2006/table">
+            <a:tbl>
+              <a:tblPr firstRow="1" firstCol="1" bandRow="1">
+                <a:tableStyleId>{5C22544A-7EE6-4342-B048-85BDC9FD1C3A}</a:tableStyleId>
+              </a:tblPr>
+              <a:tblGrid>
+                <a:gridCol w="541867"/>
+                <a:gridCol w="541867"/>
+                <a:gridCol w="541867"/>
+                <a:gridCol w="541867"/>
+                <a:gridCol w="541867"/>
+                <a:gridCol w="541867"/>
+                <a:gridCol w="541867"/>
+                <a:gridCol w="541867"/>
+                <a:gridCol w="541867"/>
+              </a:tblGrid>
+              <a:tr h="370840">
+                <a:tc>
+                  <a:txBody>
+                    <a:bodyPr/>
+                    <a:lstStyle/>
+                    <a:p>
+                      <a:endParaRPr lang="en-US" dirty="0"/>
+                    </a:p>
+                  </a:txBody>
+                  <a:tcPr/>
+                </a:tc>
+                <a:tc>
+                  <a:txBody>
+                    <a:bodyPr/>
+                    <a:lstStyle/>
+                    <a:p>
+                      <a:r>
+                        <a:rPr lang="en-US" smtClean="0"/>
+                        <a:t>1</a:t>
+                      </a:r>
+                      <a:endParaRPr lang="en-US" dirty="0"/>
+                    </a:p>
+                  </a:txBody>
+                  <a:tcPr/>
+                </a:tc>
+                <a:tc>
+                  <a:txBody>
+                    <a:bodyPr/>
+                    <a:lstStyle/>
+                    <a:p>
+                      <a:r>
+                        <a:rPr lang="en-US" smtClean="0"/>
+                        <a:t>3</a:t>
+                      </a:r>
+                      <a:endParaRPr lang="en-US" dirty="0"/>
+                    </a:p>
+                  </a:txBody>
+                  <a:tcPr/>
+                </a:tc>
+                <a:tc>
+                  <a:txBody>
+                    <a:bodyPr/>
+                    <a:lstStyle/>
+                    <a:p>
+                      <a:r>
+                        <a:rPr lang="en-US" dirty="0" smtClean="0"/>
+                        <a:t>4</a:t>
+                      </a:r>
+                      <a:endParaRPr lang="en-US" dirty="0"/>
+                    </a:p>
+                  </a:txBody>
+                  <a:tcPr/>
+                </a:tc>
+                <a:tc>
+                  <a:txBody>
+                    <a:bodyPr/>
+                    <a:lstStyle/>
+                    <a:p>
+                      <a:r>
+                        <a:rPr lang="en-US" dirty="0" smtClean="0"/>
+                        <a:t>6</a:t>
+                      </a:r>
+                      <a:endParaRPr lang="en-US" dirty="0"/>
+                    </a:p>
+                  </a:txBody>
+                  <a:tcPr/>
+                </a:tc>
+                <a:tc>
+                  <a:txBody>
+                    <a:bodyPr/>
+                    <a:lstStyle/>
+                    <a:p>
+                      <a:r>
+                        <a:rPr lang="en-US" dirty="0" smtClean="0"/>
+                        <a:t>5</a:t>
+                      </a:r>
+                      <a:endParaRPr lang="en-US" dirty="0"/>
+                    </a:p>
+                  </a:txBody>
+                  <a:tcPr/>
+                </a:tc>
+                <a:tc>
+                  <a:txBody>
+                    <a:bodyPr/>
+                    <a:lstStyle/>
+                    <a:p>
+                      <a:r>
+                        <a:rPr lang="en-US" dirty="0" smtClean="0"/>
+                        <a:t>9</a:t>
+                      </a:r>
+                      <a:endParaRPr lang="en-US" dirty="0"/>
+                    </a:p>
+                  </a:txBody>
+                  <a:tcPr/>
+                </a:tc>
+                <a:tc>
+                  <a:txBody>
+                    <a:bodyPr/>
+                    <a:lstStyle/>
+                    <a:p>
+                      <a:r>
+                        <a:rPr lang="en-US" dirty="0" smtClean="0"/>
+                        <a:t>7</a:t>
+                      </a:r>
+                      <a:endParaRPr lang="en-US" dirty="0"/>
+                    </a:p>
+                  </a:txBody>
+                  <a:tcPr/>
+                </a:tc>
+                <a:tc>
+                  <a:txBody>
+                    <a:bodyPr/>
+                    <a:lstStyle/>
+                    <a:p>
+                      <a:r>
+                        <a:rPr lang="en-US" dirty="0" smtClean="0"/>
+                        <a:t>7</a:t>
+                      </a:r>
+                      <a:endParaRPr lang="en-US" dirty="0"/>
+                    </a:p>
+                  </a:txBody>
+                  <a:tcPr/>
+                </a:tc>
+              </a:tr>
+              <a:tr h="370840">
+                <a:tc>
+                  <a:txBody>
+                    <a:bodyPr/>
+                    <a:lstStyle/>
+                    <a:p>
+                      <a:r>
+                        <a:rPr lang="en-US" dirty="0" smtClean="0"/>
+                        <a:t>1</a:t>
+                      </a:r>
+                      <a:endParaRPr lang="en-US" dirty="0"/>
+                    </a:p>
+                  </a:txBody>
+                  <a:tcPr/>
+                </a:tc>
+                <a:tc>
+                  <a:txBody>
+                    <a:bodyPr/>
+                    <a:lstStyle/>
+                    <a:p>
+                      <a:endParaRPr lang="en-US" dirty="0"/>
+                    </a:p>
+                  </a:txBody>
+                  <a:tcPr/>
+                </a:tc>
+                <a:tc>
+                  <a:txBody>
+                    <a:bodyPr/>
+                    <a:lstStyle/>
+                    <a:p>
+                      <a:r>
+                        <a:rPr lang="en-US" dirty="0" smtClean="0"/>
+                        <a:t>X</a:t>
+                      </a:r>
+                      <a:endParaRPr lang="en-US" dirty="0"/>
+                    </a:p>
+                  </a:txBody>
+                  <a:tcPr/>
+                </a:tc>
+                <a:tc>
+                  <a:txBody>
+                    <a:bodyPr/>
+                    <a:lstStyle/>
+                    <a:p>
+                      <a:r>
+                        <a:rPr lang="en-US" dirty="0" smtClean="0"/>
+                        <a:t>X</a:t>
+                      </a:r>
+                      <a:endParaRPr lang="en-US" dirty="0"/>
+                    </a:p>
+                  </a:txBody>
+                  <a:tcPr/>
+                </a:tc>
+                <a:tc>
+                  <a:txBody>
+                    <a:bodyPr/>
+                    <a:lstStyle/>
+                    <a:p>
+                      <a:r>
+                        <a:rPr lang="en-US" dirty="0" smtClean="0"/>
+                        <a:t>X</a:t>
+                      </a:r>
+                      <a:endParaRPr lang="en-US" dirty="0"/>
+                    </a:p>
+                  </a:txBody>
+                  <a:tcPr/>
+                </a:tc>
+                <a:tc>
+                  <a:txBody>
+                    <a:bodyPr/>
+                    <a:lstStyle/>
+                    <a:p>
+                      <a:r>
+                        <a:rPr lang="en-US" dirty="0" smtClean="0"/>
+                        <a:t>X</a:t>
+                      </a:r>
+                      <a:endParaRPr lang="en-US" dirty="0"/>
+                    </a:p>
+                  </a:txBody>
+                  <a:tcPr/>
+                </a:tc>
+                <a:tc>
+                  <a:txBody>
+                    <a:bodyPr/>
+                    <a:lstStyle/>
+                    <a:p>
+                      <a:r>
+                        <a:rPr lang="en-US" dirty="0" smtClean="0"/>
+                        <a:t>X</a:t>
+                      </a:r>
+                      <a:endParaRPr lang="en-US" dirty="0"/>
+                    </a:p>
+                  </a:txBody>
+                  <a:tcPr/>
+                </a:tc>
+                <a:tc>
+                  <a:txBody>
+                    <a:bodyPr/>
+                    <a:lstStyle/>
+                    <a:p>
+                      <a:r>
+                        <a:rPr lang="en-US" dirty="0" smtClean="0"/>
+                        <a:t>X</a:t>
+                      </a:r>
+                      <a:endParaRPr lang="en-US" dirty="0"/>
+                    </a:p>
+                  </a:txBody>
+                  <a:tcPr/>
+                </a:tc>
+                <a:tc>
+                  <a:txBody>
+                    <a:bodyPr/>
+                    <a:lstStyle/>
+                    <a:p>
+                      <a:r>
+                        <a:rPr lang="en-US" dirty="0" smtClean="0"/>
+                        <a:t>X</a:t>
+                      </a:r>
+                      <a:endParaRPr lang="en-US" dirty="0"/>
+                    </a:p>
+                  </a:txBody>
+                  <a:tcPr/>
+                </a:tc>
+              </a:tr>
+              <a:tr h="370840">
+                <a:tc>
+                  <a:txBody>
+                    <a:bodyPr/>
+                    <a:lstStyle/>
+                    <a:p>
+                      <a:r>
+                        <a:rPr lang="en-US" dirty="0" smtClean="0"/>
+                        <a:t>3</a:t>
+                      </a:r>
+                      <a:endParaRPr lang="en-US" dirty="0"/>
+                    </a:p>
+                  </a:txBody>
+                  <a:tcPr/>
+                </a:tc>
+                <a:tc>
+                  <a:txBody>
+                    <a:bodyPr/>
+                    <a:lstStyle/>
+                    <a:p>
+                      <a:endParaRPr lang="en-US"/>
+                    </a:p>
+                  </a:txBody>
+                  <a:tcPr/>
+                </a:tc>
+                <a:tc>
+                  <a:txBody>
+                    <a:bodyPr/>
+                    <a:lstStyle/>
+                    <a:p>
+                      <a:endParaRPr lang="en-US" dirty="0"/>
+                    </a:p>
+                  </a:txBody>
+                  <a:tcPr/>
+                </a:tc>
+                <a:tc>
+                  <a:txBody>
+                    <a:bodyPr/>
+                    <a:lstStyle/>
+                    <a:p>
+                      <a:r>
+                        <a:rPr lang="en-US" dirty="0" smtClean="0"/>
+                        <a:t>X</a:t>
+                      </a:r>
+                      <a:endParaRPr lang="en-US" dirty="0"/>
+                    </a:p>
+                  </a:txBody>
+                  <a:tcPr/>
+                </a:tc>
+                <a:tc>
+                  <a:txBody>
+                    <a:bodyPr/>
+                    <a:lstStyle/>
+                    <a:p>
+                      <a:r>
+                        <a:rPr lang="en-US" dirty="0" smtClean="0"/>
+                        <a:t>X</a:t>
+                      </a:r>
+                      <a:endParaRPr lang="en-US" dirty="0"/>
+                    </a:p>
+                  </a:txBody>
+                  <a:tcPr/>
+                </a:tc>
+                <a:tc>
+                  <a:txBody>
+                    <a:bodyPr/>
+                    <a:lstStyle/>
+                    <a:p>
+                      <a:r>
+                        <a:rPr lang="en-US" dirty="0" smtClean="0"/>
+                        <a:t>X</a:t>
+                      </a:r>
+                      <a:endParaRPr lang="en-US" dirty="0"/>
+                    </a:p>
+                  </a:txBody>
+                  <a:tcPr/>
+                </a:tc>
+                <a:tc>
+                  <a:txBody>
+                    <a:bodyPr/>
+                    <a:lstStyle/>
+                    <a:p>
+                      <a:r>
+                        <a:rPr lang="en-US" dirty="0" smtClean="0"/>
+                        <a:t>X</a:t>
+                      </a:r>
+                      <a:endParaRPr lang="en-US" dirty="0"/>
+                    </a:p>
+                  </a:txBody>
+                  <a:tcPr/>
+                </a:tc>
+                <a:tc>
+                  <a:txBody>
+                    <a:bodyPr/>
+                    <a:lstStyle/>
+                    <a:p>
+                      <a:r>
+                        <a:rPr lang="en-US" dirty="0" smtClean="0"/>
+                        <a:t>X</a:t>
+                      </a:r>
+                      <a:endParaRPr lang="en-US" dirty="0"/>
+                    </a:p>
+                  </a:txBody>
+                  <a:tcPr/>
+                </a:tc>
+                <a:tc>
+                  <a:txBody>
+                    <a:bodyPr/>
+                    <a:lstStyle/>
+                    <a:p>
+                      <a:r>
+                        <a:rPr lang="en-US" dirty="0" smtClean="0"/>
+                        <a:t>X</a:t>
+                      </a:r>
+                      <a:endParaRPr lang="en-US" dirty="0"/>
+                    </a:p>
+                  </a:txBody>
+                  <a:tcPr/>
+                </a:tc>
+              </a:tr>
+              <a:tr h="370840">
+                <a:tc>
+                  <a:txBody>
+                    <a:bodyPr/>
+                    <a:lstStyle/>
+                    <a:p>
+                      <a:r>
+                        <a:rPr lang="en-US" dirty="0" smtClean="0"/>
+                        <a:t>4</a:t>
+                      </a:r>
+                      <a:endParaRPr lang="en-US" dirty="0"/>
+                    </a:p>
+                  </a:txBody>
+                  <a:tcPr/>
+                </a:tc>
+                <a:tc>
+                  <a:txBody>
+                    <a:bodyPr/>
+                    <a:lstStyle/>
+                    <a:p>
+                      <a:endParaRPr lang="en-US"/>
+                    </a:p>
+                  </a:txBody>
+                  <a:tcPr/>
+                </a:tc>
+                <a:tc>
+                  <a:txBody>
+                    <a:bodyPr/>
+                    <a:lstStyle/>
+                    <a:p>
+                      <a:endParaRPr lang="en-US"/>
+                    </a:p>
+                  </a:txBody>
+                  <a:tcPr/>
+                </a:tc>
+                <a:tc>
+                  <a:txBody>
+                    <a:bodyPr/>
+                    <a:lstStyle/>
+                    <a:p>
+                      <a:endParaRPr lang="en-US"/>
+                    </a:p>
+                  </a:txBody>
+                  <a:tcPr/>
+                </a:tc>
+                <a:tc>
+                  <a:txBody>
+                    <a:bodyPr/>
+                    <a:lstStyle/>
+                    <a:p>
+                      <a:r>
+                        <a:rPr lang="en-US" dirty="0" smtClean="0"/>
+                        <a:t>X</a:t>
+                      </a:r>
+                      <a:endParaRPr lang="en-US" dirty="0"/>
+                    </a:p>
+                  </a:txBody>
+                  <a:tcPr/>
+                </a:tc>
+                <a:tc>
+                  <a:txBody>
+                    <a:bodyPr/>
+                    <a:lstStyle/>
+                    <a:p>
+                      <a:r>
+                        <a:rPr lang="en-US" dirty="0" smtClean="0"/>
+                        <a:t>X</a:t>
+                      </a:r>
+                      <a:endParaRPr lang="en-US" dirty="0"/>
+                    </a:p>
+                  </a:txBody>
+                  <a:tcPr/>
+                </a:tc>
+                <a:tc>
+                  <a:txBody>
+                    <a:bodyPr/>
+                    <a:lstStyle/>
+                    <a:p>
+                      <a:r>
+                        <a:rPr lang="en-US" dirty="0" smtClean="0"/>
+                        <a:t>X</a:t>
+                      </a:r>
+                      <a:endParaRPr lang="en-US" dirty="0"/>
+                    </a:p>
+                  </a:txBody>
+                  <a:tcPr/>
+                </a:tc>
+                <a:tc>
+                  <a:txBody>
+                    <a:bodyPr/>
+                    <a:lstStyle/>
+                    <a:p>
+                      <a:r>
+                        <a:rPr lang="en-US" dirty="0" smtClean="0"/>
+                        <a:t>X</a:t>
+                      </a:r>
+                      <a:endParaRPr lang="en-US" dirty="0"/>
+                    </a:p>
+                  </a:txBody>
+                  <a:tcPr/>
+                </a:tc>
+                <a:tc>
+                  <a:txBody>
+                    <a:bodyPr/>
+                    <a:lstStyle/>
+                    <a:p>
+                      <a:r>
+                        <a:rPr lang="en-US" dirty="0" smtClean="0"/>
+                        <a:t>X</a:t>
+                      </a:r>
+                      <a:endParaRPr lang="en-US" dirty="0"/>
+                    </a:p>
+                  </a:txBody>
+                  <a:tcPr/>
+                </a:tc>
+              </a:tr>
+              <a:tr h="370840">
+                <a:tc>
+                  <a:txBody>
+                    <a:bodyPr/>
+                    <a:lstStyle/>
+                    <a:p>
+                      <a:r>
+                        <a:rPr lang="en-US" dirty="0" smtClean="0"/>
+                        <a:t>6</a:t>
+                      </a:r>
+                      <a:endParaRPr lang="en-US" dirty="0"/>
+                    </a:p>
+                  </a:txBody>
+                  <a:tcPr/>
+                </a:tc>
+                <a:tc>
+                  <a:txBody>
+                    <a:bodyPr/>
+                    <a:lstStyle/>
+                    <a:p>
+                      <a:endParaRPr lang="en-US"/>
+                    </a:p>
+                  </a:txBody>
+                  <a:tcPr/>
+                </a:tc>
+                <a:tc>
+                  <a:txBody>
+                    <a:bodyPr/>
+                    <a:lstStyle/>
+                    <a:p>
+                      <a:endParaRPr lang="en-US"/>
+                    </a:p>
+                  </a:txBody>
+                  <a:tcPr/>
+                </a:tc>
+                <a:tc>
+                  <a:txBody>
+                    <a:bodyPr/>
+                    <a:lstStyle/>
+                    <a:p>
+                      <a:endParaRPr lang="en-US"/>
+                    </a:p>
+                  </a:txBody>
+                  <a:tcPr/>
+                </a:tc>
+                <a:tc>
+                  <a:txBody>
+                    <a:bodyPr/>
+                    <a:lstStyle/>
+                    <a:p>
+                      <a:endParaRPr lang="en-US"/>
+                    </a:p>
+                  </a:txBody>
+                  <a:tcPr/>
+                </a:tc>
+                <a:tc>
+                  <a:txBody>
+                    <a:bodyPr/>
+                    <a:lstStyle/>
+                    <a:p>
+                      <a:r>
+                        <a:rPr lang="en-US" dirty="0" smtClean="0"/>
+                        <a:t>X</a:t>
+                      </a:r>
+                      <a:endParaRPr lang="en-US" dirty="0"/>
+                    </a:p>
+                  </a:txBody>
+                  <a:tcPr/>
+                </a:tc>
+                <a:tc>
+                  <a:txBody>
+                    <a:bodyPr/>
+                    <a:lstStyle/>
+                    <a:p>
+                      <a:r>
+                        <a:rPr lang="en-US" dirty="0" smtClean="0"/>
+                        <a:t>X</a:t>
+                      </a:r>
+                      <a:endParaRPr lang="en-US" dirty="0"/>
+                    </a:p>
+                  </a:txBody>
+                  <a:tcPr/>
+                </a:tc>
+                <a:tc>
+                  <a:txBody>
+                    <a:bodyPr/>
+                    <a:lstStyle/>
+                    <a:p>
+                      <a:r>
+                        <a:rPr lang="en-US" dirty="0" smtClean="0"/>
+                        <a:t>X</a:t>
+                      </a:r>
+                      <a:endParaRPr lang="en-US" dirty="0"/>
+                    </a:p>
+                  </a:txBody>
+                  <a:tcPr/>
+                </a:tc>
+                <a:tc>
+                  <a:txBody>
+                    <a:bodyPr/>
+                    <a:lstStyle/>
+                    <a:p>
+                      <a:r>
+                        <a:rPr lang="en-US" dirty="0" smtClean="0"/>
+                        <a:t>X</a:t>
+                      </a:r>
+                      <a:endParaRPr lang="en-US" dirty="0"/>
+                    </a:p>
+                  </a:txBody>
+                  <a:tcPr/>
+                </a:tc>
+              </a:tr>
+              <a:tr h="370840">
+                <a:tc>
+                  <a:txBody>
+                    <a:bodyPr/>
+                    <a:lstStyle/>
+                    <a:p>
+                      <a:r>
+                        <a:rPr lang="en-US" dirty="0" smtClean="0"/>
+                        <a:t>5</a:t>
+                      </a:r>
+                      <a:endParaRPr lang="en-US" dirty="0"/>
+                    </a:p>
+                  </a:txBody>
+                  <a:tcPr/>
+                </a:tc>
+                <a:tc>
+                  <a:txBody>
+                    <a:bodyPr/>
+                    <a:lstStyle/>
+                    <a:p>
+                      <a:endParaRPr lang="en-US"/>
+                    </a:p>
+                  </a:txBody>
+                  <a:tcPr/>
+                </a:tc>
+                <a:tc>
+                  <a:txBody>
+                    <a:bodyPr/>
+                    <a:lstStyle/>
+                    <a:p>
+                      <a:endParaRPr lang="en-US"/>
+                    </a:p>
+                  </a:txBody>
+                  <a:tcPr/>
+                </a:tc>
+                <a:tc>
+                  <a:txBody>
+                    <a:bodyPr/>
+                    <a:lstStyle/>
+                    <a:p>
+                      <a:endParaRPr lang="en-US"/>
+                    </a:p>
+                  </a:txBody>
+                  <a:tcPr/>
+                </a:tc>
+                <a:tc>
+                  <a:txBody>
+                    <a:bodyPr/>
+                    <a:lstStyle/>
+                    <a:p>
+                      <a:endParaRPr lang="en-US"/>
+                    </a:p>
+                  </a:txBody>
+                  <a:tcPr/>
+                </a:tc>
+                <a:tc>
+                  <a:txBody>
+                    <a:bodyPr/>
+                    <a:lstStyle/>
+                    <a:p>
+                      <a:endParaRPr lang="en-US"/>
+                    </a:p>
+                  </a:txBody>
+                  <a:tcPr/>
+                </a:tc>
+                <a:tc>
+                  <a:txBody>
+                    <a:bodyPr/>
+                    <a:lstStyle/>
+                    <a:p>
+                      <a:r>
+                        <a:rPr lang="en-US" dirty="0" smtClean="0"/>
+                        <a:t>X</a:t>
+                      </a:r>
+                      <a:endParaRPr lang="en-US" dirty="0"/>
+                    </a:p>
+                  </a:txBody>
+                  <a:tcPr/>
+                </a:tc>
+                <a:tc>
+                  <a:txBody>
+                    <a:bodyPr/>
+                    <a:lstStyle/>
+                    <a:p>
+                      <a:r>
+                        <a:rPr lang="en-US" dirty="0" smtClean="0"/>
+                        <a:t>X</a:t>
+                      </a:r>
+                      <a:endParaRPr lang="en-US" dirty="0"/>
+                    </a:p>
+                  </a:txBody>
+                  <a:tcPr/>
+                </a:tc>
+                <a:tc>
+                  <a:txBody>
+                    <a:bodyPr/>
+                    <a:lstStyle/>
+                    <a:p>
+                      <a:r>
+                        <a:rPr lang="en-US" dirty="0" smtClean="0"/>
+                        <a:t>X</a:t>
+                      </a:r>
+                      <a:endParaRPr lang="en-US" dirty="0"/>
+                    </a:p>
+                  </a:txBody>
+                  <a:tcPr/>
+                </a:tc>
+              </a:tr>
+              <a:tr h="370840">
+                <a:tc>
+                  <a:txBody>
+                    <a:bodyPr/>
+                    <a:lstStyle/>
+                    <a:p>
+                      <a:r>
+                        <a:rPr lang="en-US" dirty="0" smtClean="0"/>
+                        <a:t>9</a:t>
+                      </a:r>
+                      <a:endParaRPr lang="en-US" dirty="0"/>
+                    </a:p>
+                  </a:txBody>
+                  <a:tcPr/>
+                </a:tc>
+                <a:tc>
+                  <a:txBody>
+                    <a:bodyPr/>
+                    <a:lstStyle/>
+                    <a:p>
+                      <a:endParaRPr lang="en-US"/>
+                    </a:p>
+                  </a:txBody>
+                  <a:tcPr/>
+                </a:tc>
+                <a:tc>
+                  <a:txBody>
+                    <a:bodyPr/>
+                    <a:lstStyle/>
+                    <a:p>
+                      <a:endParaRPr lang="en-US"/>
+                    </a:p>
+                  </a:txBody>
+                  <a:tcPr/>
+                </a:tc>
+                <a:tc>
+                  <a:txBody>
+                    <a:bodyPr/>
+                    <a:lstStyle/>
+                    <a:p>
+                      <a:endParaRPr lang="en-US"/>
+                    </a:p>
+                  </a:txBody>
+                  <a:tcPr/>
+                </a:tc>
+                <a:tc>
+                  <a:txBody>
+                    <a:bodyPr/>
+                    <a:lstStyle/>
+                    <a:p>
+                      <a:endParaRPr lang="en-US"/>
+                    </a:p>
+                  </a:txBody>
+                  <a:tcPr/>
+                </a:tc>
+                <a:tc>
+                  <a:txBody>
+                    <a:bodyPr/>
+                    <a:lstStyle/>
+                    <a:p>
+                      <a:endParaRPr lang="en-US"/>
+                    </a:p>
+                  </a:txBody>
+                  <a:tcPr/>
+                </a:tc>
+                <a:tc>
+                  <a:txBody>
+                    <a:bodyPr/>
+                    <a:lstStyle/>
+                    <a:p>
+                      <a:endParaRPr lang="en-US" dirty="0"/>
+                    </a:p>
+                  </a:txBody>
+                  <a:tcPr/>
+                </a:tc>
+                <a:tc>
+                  <a:txBody>
+                    <a:bodyPr/>
+                    <a:lstStyle/>
+                    <a:p>
+                      <a:r>
+                        <a:rPr lang="en-US" dirty="0" smtClean="0"/>
+                        <a:t>X</a:t>
+                      </a:r>
+                    </a:p>
+                  </a:txBody>
+                  <a:tcPr/>
+                </a:tc>
+                <a:tc>
+                  <a:txBody>
+                    <a:bodyPr/>
+                    <a:lstStyle/>
+                    <a:p>
+                      <a:r>
+                        <a:rPr lang="en-US" dirty="0" smtClean="0"/>
+                        <a:t>X</a:t>
+                      </a:r>
+                      <a:endParaRPr lang="en-US" dirty="0"/>
+                    </a:p>
+                  </a:txBody>
+                  <a:tcPr/>
+                </a:tc>
+              </a:tr>
+              <a:tr h="370840">
+                <a:tc>
+                  <a:txBody>
+                    <a:bodyPr/>
+                    <a:lstStyle/>
+                    <a:p>
+                      <a:r>
+                        <a:rPr lang="en-US" dirty="0" smtClean="0"/>
+                        <a:t>7</a:t>
+                      </a:r>
+                      <a:endParaRPr lang="en-US" dirty="0"/>
+                    </a:p>
+                  </a:txBody>
+                  <a:tcPr/>
+                </a:tc>
+                <a:tc>
+                  <a:txBody>
+                    <a:bodyPr/>
+                    <a:lstStyle/>
+                    <a:p>
+                      <a:endParaRPr lang="en-US"/>
+                    </a:p>
+                  </a:txBody>
+                  <a:tcPr/>
+                </a:tc>
+                <a:tc>
+                  <a:txBody>
+                    <a:bodyPr/>
+                    <a:lstStyle/>
+                    <a:p>
+                      <a:endParaRPr lang="en-US"/>
+                    </a:p>
+                  </a:txBody>
+                  <a:tcPr/>
+                </a:tc>
+                <a:tc>
+                  <a:txBody>
+                    <a:bodyPr/>
+                    <a:lstStyle/>
+                    <a:p>
+                      <a:endParaRPr lang="en-US"/>
+                    </a:p>
+                  </a:txBody>
+                  <a:tcPr/>
+                </a:tc>
+                <a:tc>
+                  <a:txBody>
+                    <a:bodyPr/>
+                    <a:lstStyle/>
+                    <a:p>
+                      <a:endParaRPr lang="en-US"/>
+                    </a:p>
+                  </a:txBody>
+                  <a:tcPr/>
+                </a:tc>
+                <a:tc>
+                  <a:txBody>
+                    <a:bodyPr/>
+                    <a:lstStyle/>
+                    <a:p>
+                      <a:endParaRPr lang="en-US"/>
+                    </a:p>
+                  </a:txBody>
+                  <a:tcPr/>
+                </a:tc>
+                <a:tc>
+                  <a:txBody>
+                    <a:bodyPr/>
+                    <a:lstStyle/>
+                    <a:p>
+                      <a:endParaRPr lang="en-US" dirty="0"/>
+                    </a:p>
+                  </a:txBody>
+                  <a:tcPr/>
+                </a:tc>
+                <a:tc>
+                  <a:txBody>
+                    <a:bodyPr/>
+                    <a:lstStyle/>
+                    <a:p>
+                      <a:endParaRPr lang="en-US" dirty="0"/>
+                    </a:p>
+                  </a:txBody>
+                  <a:tcPr/>
+                </a:tc>
+                <a:tc>
+                  <a:txBody>
+                    <a:bodyPr/>
+                    <a:lstStyle/>
+                    <a:p>
+                      <a:r>
+                        <a:rPr lang="en-US" dirty="0" smtClean="0"/>
+                        <a:t>*</a:t>
+                      </a:r>
+                      <a:endParaRPr lang="en-US" dirty="0"/>
+                    </a:p>
+                  </a:txBody>
+                  <a:tcPr/>
+                </a:tc>
+              </a:tr>
+            </a:tbl>
+          </a:graphicData>
+        </a:graphic>
+      </p:graphicFrame>
+    </p:spTree>
+    <p:extLst>
+      <p:ext uri="{BB962C8B-B14F-4D97-AF65-F5344CB8AC3E}">
+        <p14:creationId xmlns:p14="http://schemas.microsoft.com/office/powerpoint/2010/main" val="2389674033"/>
+      </p:ext>
+    </p:extLst>
+  </p:cSld>
+  <p:clrMapOvr>
+    <a:masterClrMapping/>
+  </p:clrMapOvr>
+  <p:timing>
+    <p:tnLst>
+      <p:par>
+        <p:cTn xmlns:p14="http://schemas.microsoft.com/office/powerpoint/2010/main" id="1" dur="indefinite" restart="never" nodeType="tmRoot"/>
+      </p:par>
+    </p:tnLst>
+  </p:timing>
 </p:sld>
 </file>
 
